--- a/07-Patchy-Particle-Simulations-In-HPMC/Tutorial-concept-map.pptx
+++ b/07-Patchy-Particle-Simulations-In-HPMC/Tutorial-concept-map.pptx
@@ -270,7 +270,7 @@
           <a:p>
             <a:fld id="{7D34CDAA-125B-EE49-8309-E2E585CD8A05}" type="datetimeFigureOut">
               <a:rPr lang="en-US" smtClean="0"/>
-              <a:t>2/16/22</a:t>
+              <a:t>2/21/23</a:t>
             </a:fld>
             <a:endParaRPr lang="en-US"/>
           </a:p>
@@ -468,7 +468,7 @@
           <a:p>
             <a:fld id="{7D34CDAA-125B-EE49-8309-E2E585CD8A05}" type="datetimeFigureOut">
               <a:rPr lang="en-US" smtClean="0"/>
-              <a:t>2/16/22</a:t>
+              <a:t>2/21/23</a:t>
             </a:fld>
             <a:endParaRPr lang="en-US"/>
           </a:p>
@@ -676,7 +676,7 @@
           <a:p>
             <a:fld id="{7D34CDAA-125B-EE49-8309-E2E585CD8A05}" type="datetimeFigureOut">
               <a:rPr lang="en-US" smtClean="0"/>
-              <a:t>2/16/22</a:t>
+              <a:t>2/21/23</a:t>
             </a:fld>
             <a:endParaRPr lang="en-US"/>
           </a:p>
@@ -874,7 +874,7 @@
           <a:p>
             <a:fld id="{7D34CDAA-125B-EE49-8309-E2E585CD8A05}" type="datetimeFigureOut">
               <a:rPr lang="en-US" smtClean="0"/>
-              <a:t>2/16/22</a:t>
+              <a:t>2/21/23</a:t>
             </a:fld>
             <a:endParaRPr lang="en-US"/>
           </a:p>
@@ -1149,7 +1149,7 @@
           <a:p>
             <a:fld id="{7D34CDAA-125B-EE49-8309-E2E585CD8A05}" type="datetimeFigureOut">
               <a:rPr lang="en-US" smtClean="0"/>
-              <a:t>2/16/22</a:t>
+              <a:t>2/21/23</a:t>
             </a:fld>
             <a:endParaRPr lang="en-US"/>
           </a:p>
@@ -1414,7 +1414,7 @@
           <a:p>
             <a:fld id="{7D34CDAA-125B-EE49-8309-E2E585CD8A05}" type="datetimeFigureOut">
               <a:rPr lang="en-US" smtClean="0"/>
-              <a:t>2/16/22</a:t>
+              <a:t>2/21/23</a:t>
             </a:fld>
             <a:endParaRPr lang="en-US"/>
           </a:p>
@@ -1826,7 +1826,7 @@
           <a:p>
             <a:fld id="{7D34CDAA-125B-EE49-8309-E2E585CD8A05}" type="datetimeFigureOut">
               <a:rPr lang="en-US" smtClean="0"/>
-              <a:t>2/16/22</a:t>
+              <a:t>2/21/23</a:t>
             </a:fld>
             <a:endParaRPr lang="en-US"/>
           </a:p>
@@ -1967,7 +1967,7 @@
           <a:p>
             <a:fld id="{7D34CDAA-125B-EE49-8309-E2E585CD8A05}" type="datetimeFigureOut">
               <a:rPr lang="en-US" smtClean="0"/>
-              <a:t>2/16/22</a:t>
+              <a:t>2/21/23</a:t>
             </a:fld>
             <a:endParaRPr lang="en-US"/>
           </a:p>
@@ -2080,7 +2080,7 @@
           <a:p>
             <a:fld id="{7D34CDAA-125B-EE49-8309-E2E585CD8A05}" type="datetimeFigureOut">
               <a:rPr lang="en-US" smtClean="0"/>
-              <a:t>2/16/22</a:t>
+              <a:t>2/21/23</a:t>
             </a:fld>
             <a:endParaRPr lang="en-US"/>
           </a:p>
@@ -2391,7 +2391,7 @@
           <a:p>
             <a:fld id="{7D34CDAA-125B-EE49-8309-E2E585CD8A05}" type="datetimeFigureOut">
               <a:rPr lang="en-US" smtClean="0"/>
-              <a:t>2/16/22</a:t>
+              <a:t>2/21/23</a:t>
             </a:fld>
             <a:endParaRPr lang="en-US"/>
           </a:p>
@@ -2679,7 +2679,7 @@
           <a:p>
             <a:fld id="{7D34CDAA-125B-EE49-8309-E2E585CD8A05}" type="datetimeFigureOut">
               <a:rPr lang="en-US" smtClean="0"/>
-              <a:t>2/16/22</a:t>
+              <a:t>2/21/23</a:t>
             </a:fld>
             <a:endParaRPr lang="en-US"/>
           </a:p>
@@ -2920,7 +2920,7 @@
           <a:p>
             <a:fld id="{7D34CDAA-125B-EE49-8309-E2E585CD8A05}" type="datetimeFigureOut">
               <a:rPr lang="en-US" smtClean="0"/>
-              <a:t>2/16/22</a:t>
+              <a:t>2/21/23</a:t>
             </a:fld>
             <a:endParaRPr lang="en-US"/>
           </a:p>
@@ -3351,7 +3351,7 @@
         </p:nvSpPr>
         <p:spPr>
           <a:xfrm>
-            <a:off x="7244884" y="4699802"/>
+            <a:off x="7042831" y="3727416"/>
             <a:ext cx="1633240" cy="370843"/>
           </a:xfrm>
           <a:prstGeom prst="roundRect">
@@ -3797,7 +3797,7 @@
         <p:spPr>
           <a:xfrm>
             <a:off x="4909604" y="102928"/>
-            <a:ext cx="2073068" cy="300210"/>
+            <a:ext cx="2151615" cy="300210"/>
           </a:xfrm>
           <a:prstGeom prst="rect">
             <a:avLst/>
@@ -3831,7 +3831,7 @@
         </p:nvSpPr>
         <p:spPr>
           <a:xfrm>
-            <a:off x="2465901" y="6349453"/>
+            <a:off x="3940671" y="4663755"/>
             <a:ext cx="975539" cy="421406"/>
           </a:xfrm>
           <a:prstGeom prst="roundRect">
@@ -3895,8 +3895,8 @@
         </p:nvSpPr>
         <p:spPr>
           <a:xfrm>
-            <a:off x="3906405" y="4371816"/>
-            <a:ext cx="959364" cy="370843"/>
+            <a:off x="3704352" y="3399430"/>
+            <a:ext cx="959364" cy="513408"/>
           </a:xfrm>
           <a:prstGeom prst="roundRect">
             <a:avLst/>
@@ -3933,31 +3933,31 @@
             <a:pPr algn="ctr"/>
             <a:r>
               <a:rPr lang="en-US" sz="901" dirty="0"/>
-              <a:t>Patchy particles</a:t>
+              <a:t>Patchy particle models: e.g.: Kern–Frenkel</a:t>
             </a:r>
           </a:p>
         </p:txBody>
       </p:sp>
       <p:cxnSp>
         <p:nvCxnSpPr>
-          <p:cNvPr id="129" name="Connector: Curved 128">
-            <a:extLst>
-              <a:ext uri="{FF2B5EF4-FFF2-40B4-BE49-F238E27FC236}">
-                <a16:creationId xmlns:a16="http://schemas.microsoft.com/office/drawing/2014/main" id="{5B7F440F-A1C4-404E-9FD7-501CD16D0942}"/>
+          <p:cNvPr id="71" name="Connector: Curved 128">
+            <a:extLst>
+              <a:ext uri="{FF2B5EF4-FFF2-40B4-BE49-F238E27FC236}">
+                <a16:creationId xmlns:a16="http://schemas.microsoft.com/office/drawing/2014/main" id="{BBD66033-14EB-E746-BF51-5614F4E71278}"/>
               </a:ext>
             </a:extLst>
           </p:cNvPr>
           <p:cNvCxnSpPr>
             <a:cxnSpLocks/>
-            <a:stCxn id="62" idx="0"/>
-            <a:endCxn id="61" idx="2"/>
+            <a:stCxn id="77" idx="0"/>
+            <a:endCxn id="118" idx="2"/>
           </p:cNvCxnSpPr>
           <p:nvPr/>
         </p:nvCxnSpPr>
         <p:spPr>
           <a:xfrm rot="16200000" flipV="1">
-            <a:off x="4206623" y="5658248"/>
-            <a:ext cx="365281" cy="6351"/>
+            <a:off x="3930780" y="4166093"/>
+            <a:ext cx="750917" cy="244407"/>
           </a:xfrm>
           <a:prstGeom prst="curvedConnector3">
             <a:avLst>
@@ -3986,10 +3986,10 @@
       </p:cxnSp>
       <p:sp>
         <p:nvSpPr>
-          <p:cNvPr id="61" name="Rectangle: Rounded Corners 117">
-            <a:extLst>
-              <a:ext uri="{FF2B5EF4-FFF2-40B4-BE49-F238E27FC236}">
-                <a16:creationId xmlns:a16="http://schemas.microsoft.com/office/drawing/2014/main" id="{D4C793B4-13DA-6649-ABF8-557303A85A6A}"/>
+          <p:cNvPr id="87" name="Rectangle: Rounded Corners 117">
+            <a:extLst>
+              <a:ext uri="{FF2B5EF4-FFF2-40B4-BE49-F238E27FC236}">
+                <a16:creationId xmlns:a16="http://schemas.microsoft.com/office/drawing/2014/main" id="{2A1AEABB-8C36-C542-9CA9-3DFAAB2FAAA3}"/>
               </a:ext>
             </a:extLst>
           </p:cNvPr>
@@ -3998,7 +3998,7 @@
         </p:nvSpPr>
         <p:spPr>
           <a:xfrm>
-            <a:off x="3906405" y="5107940"/>
+            <a:off x="5526365" y="3755117"/>
             <a:ext cx="959364" cy="370843"/>
           </a:xfrm>
           <a:prstGeom prst="roundRect">
@@ -4036,17 +4036,109 @@
             <a:pPr algn="ctr"/>
             <a:r>
               <a:rPr lang="en-US" sz="901" dirty="0"/>
-              <a:t>Patchy particle models</a:t>
-            </a:r>
-          </a:p>
-        </p:txBody>
-      </p:sp>
-      <p:sp>
-        <p:nvSpPr>
-          <p:cNvPr id="62" name="Rectangle: Rounded Corners 117">
-            <a:extLst>
-              <a:ext uri="{FF2B5EF4-FFF2-40B4-BE49-F238E27FC236}">
-                <a16:creationId xmlns:a16="http://schemas.microsoft.com/office/drawing/2014/main" id="{A0010A0D-D93B-7849-B8F2-68820B01F355}"/>
+              <a:t>Simulations of patchy particles</a:t>
+            </a:r>
+          </a:p>
+        </p:txBody>
+      </p:sp>
+      <p:cxnSp>
+        <p:nvCxnSpPr>
+          <p:cNvPr id="88" name="Connector: Curved 128">
+            <a:extLst>
+              <a:ext uri="{FF2B5EF4-FFF2-40B4-BE49-F238E27FC236}">
+                <a16:creationId xmlns:a16="http://schemas.microsoft.com/office/drawing/2014/main" id="{633D4CA9-804F-E145-B81B-9798C12E1913}"/>
+              </a:ext>
+            </a:extLst>
+          </p:cNvPr>
+          <p:cNvCxnSpPr>
+            <a:cxnSpLocks/>
+            <a:stCxn id="118" idx="3"/>
+            <a:endCxn id="87" idx="1"/>
+          </p:cNvCxnSpPr>
+          <p:nvPr/>
+        </p:nvCxnSpPr>
+        <p:spPr>
+          <a:xfrm>
+            <a:off x="4663716" y="3656134"/>
+            <a:ext cx="862649" cy="284405"/>
+          </a:xfrm>
+          <a:prstGeom prst="curvedConnector3">
+            <a:avLst>
+              <a:gd name="adj1" fmla="val 50000"/>
+            </a:avLst>
+          </a:prstGeom>
+          <a:ln>
+            <a:headEnd type="none" w="med" len="med"/>
+            <a:tailEnd type="none" w="med" len="med"/>
+          </a:ln>
+        </p:spPr>
+        <p:style>
+          <a:lnRef idx="2">
+            <a:schemeClr val="dk1"/>
+          </a:lnRef>
+          <a:fillRef idx="0">
+            <a:schemeClr val="dk1"/>
+          </a:fillRef>
+          <a:effectRef idx="1">
+            <a:schemeClr val="dk1"/>
+          </a:effectRef>
+          <a:fontRef idx="minor">
+            <a:schemeClr val="tx1"/>
+          </a:fontRef>
+        </p:style>
+      </p:cxnSp>
+      <p:cxnSp>
+        <p:nvCxnSpPr>
+          <p:cNvPr id="98" name="Connector: Curved 128">
+            <a:extLst>
+              <a:ext uri="{FF2B5EF4-FFF2-40B4-BE49-F238E27FC236}">
+                <a16:creationId xmlns:a16="http://schemas.microsoft.com/office/drawing/2014/main" id="{737A34F6-AE95-084F-8569-A9D07D6C8625}"/>
+              </a:ext>
+            </a:extLst>
+          </p:cNvPr>
+          <p:cNvCxnSpPr>
+            <a:cxnSpLocks/>
+            <a:stCxn id="87" idx="3"/>
+            <a:endCxn id="66" idx="1"/>
+          </p:cNvCxnSpPr>
+          <p:nvPr/>
+        </p:nvCxnSpPr>
+        <p:spPr>
+          <a:xfrm flipV="1">
+            <a:off x="6485729" y="3912838"/>
+            <a:ext cx="557102" cy="27701"/>
+          </a:xfrm>
+          <a:prstGeom prst="curvedConnector3">
+            <a:avLst>
+              <a:gd name="adj1" fmla="val 50000"/>
+            </a:avLst>
+          </a:prstGeom>
+          <a:ln>
+            <a:headEnd type="none" w="med" len="med"/>
+            <a:tailEnd type="none" w="med" len="med"/>
+          </a:ln>
+        </p:spPr>
+        <p:style>
+          <a:lnRef idx="2">
+            <a:schemeClr val="dk1"/>
+          </a:lnRef>
+          <a:fillRef idx="0">
+            <a:schemeClr val="dk1"/>
+          </a:fillRef>
+          <a:effectRef idx="1">
+            <a:schemeClr val="dk1"/>
+          </a:effectRef>
+          <a:fontRef idx="minor">
+            <a:schemeClr val="tx1"/>
+          </a:fontRef>
+        </p:style>
+      </p:cxnSp>
+      <p:sp>
+        <p:nvSpPr>
+          <p:cNvPr id="120" name="Rectangle: Rounded Corners 117">
+            <a:extLst>
+              <a:ext uri="{FF2B5EF4-FFF2-40B4-BE49-F238E27FC236}">
+                <a16:creationId xmlns:a16="http://schemas.microsoft.com/office/drawing/2014/main" id="{9E4F87DD-1DFE-5741-A1BA-384DD14FFD93}"/>
               </a:ext>
             </a:extLst>
           </p:cNvPr>
@@ -4055,14 +4147,16 @@
         </p:nvSpPr>
         <p:spPr>
           <a:xfrm>
-            <a:off x="3912756" y="5844064"/>
+            <a:off x="6435734" y="2289309"/>
             <a:ext cx="959364" cy="370843"/>
           </a:xfrm>
           <a:prstGeom prst="roundRect">
             <a:avLst/>
           </a:prstGeom>
           <a:solidFill>
-            <a:schemeClr val="accent6"/>
+            <a:schemeClr val="bg1">
+              <a:lumMod val="65000"/>
+            </a:schemeClr>
           </a:solidFill>
           <a:ln>
             <a:solidFill>
@@ -4093,31 +4187,31 @@
             <a:pPr algn="ctr"/>
             <a:r>
               <a:rPr lang="en-US" sz="901" dirty="0"/>
-              <a:t>Kern–Frenkel model</a:t>
+              <a:t>Initialization</a:t>
             </a:r>
           </a:p>
         </p:txBody>
       </p:sp>
       <p:cxnSp>
         <p:nvCxnSpPr>
-          <p:cNvPr id="65" name="Connector: Curved 128">
-            <a:extLst>
-              <a:ext uri="{FF2B5EF4-FFF2-40B4-BE49-F238E27FC236}">
-                <a16:creationId xmlns:a16="http://schemas.microsoft.com/office/drawing/2014/main" id="{A8054B42-2504-5240-9447-06641FF9DF25}"/>
+          <p:cNvPr id="121" name="Connector: Curved 128">
+            <a:extLst>
+              <a:ext uri="{FF2B5EF4-FFF2-40B4-BE49-F238E27FC236}">
+                <a16:creationId xmlns:a16="http://schemas.microsoft.com/office/drawing/2014/main" id="{82745B1B-F984-B94F-9D7E-D2DB76CE2290}"/>
               </a:ext>
             </a:extLst>
           </p:cNvPr>
           <p:cNvCxnSpPr>
             <a:cxnSpLocks/>
-            <a:stCxn id="61" idx="0"/>
-            <a:endCxn id="118" idx="2"/>
+            <a:stCxn id="87" idx="0"/>
+            <a:endCxn id="120" idx="2"/>
           </p:cNvCxnSpPr>
           <p:nvPr/>
         </p:nvCxnSpPr>
         <p:spPr>
           <a:xfrm rot="5400000" flipH="1" flipV="1">
-            <a:off x="4203447" y="4925300"/>
-            <a:ext cx="365281" cy="12700"/>
+            <a:off x="5913249" y="2752951"/>
+            <a:ext cx="1094965" cy="909369"/>
           </a:xfrm>
           <a:prstGeom prst="curvedConnector3">
             <a:avLst>
@@ -4144,56 +4238,12 @@
           </a:fontRef>
         </p:style>
       </p:cxnSp>
-      <p:cxnSp>
-        <p:nvCxnSpPr>
-          <p:cNvPr id="71" name="Connector: Curved 128">
-            <a:extLst>
-              <a:ext uri="{FF2B5EF4-FFF2-40B4-BE49-F238E27FC236}">
-                <a16:creationId xmlns:a16="http://schemas.microsoft.com/office/drawing/2014/main" id="{BBD66033-14EB-E746-BF51-5614F4E71278}"/>
-              </a:ext>
-            </a:extLst>
-          </p:cNvPr>
-          <p:cNvCxnSpPr>
-            <a:cxnSpLocks/>
-            <a:stCxn id="77" idx="0"/>
-            <a:endCxn id="62" idx="1"/>
-          </p:cNvCxnSpPr>
-          <p:nvPr/>
-        </p:nvCxnSpPr>
-        <p:spPr>
-          <a:xfrm rot="5400000" flipH="1" flipV="1">
-            <a:off x="3273230" y="5709928"/>
-            <a:ext cx="319967" cy="959085"/>
-          </a:xfrm>
-          <a:prstGeom prst="curvedConnector2">
-            <a:avLst/>
-          </a:prstGeom>
-          <a:ln>
-            <a:headEnd type="none" w="med" len="med"/>
-            <a:tailEnd type="none" w="med" len="med"/>
-          </a:ln>
-        </p:spPr>
-        <p:style>
-          <a:lnRef idx="2">
-            <a:schemeClr val="dk1"/>
-          </a:lnRef>
-          <a:fillRef idx="0">
-            <a:schemeClr val="dk1"/>
-          </a:fillRef>
-          <a:effectRef idx="1">
-            <a:schemeClr val="dk1"/>
-          </a:effectRef>
-          <a:fontRef idx="minor">
-            <a:schemeClr val="tx1"/>
-          </a:fontRef>
-        </p:style>
-      </p:cxnSp>
-      <p:sp>
-        <p:nvSpPr>
-          <p:cNvPr id="87" name="Rectangle: Rounded Corners 117">
-            <a:extLst>
-              <a:ext uri="{FF2B5EF4-FFF2-40B4-BE49-F238E27FC236}">
-                <a16:creationId xmlns:a16="http://schemas.microsoft.com/office/drawing/2014/main" id="{2A1AEABB-8C36-C542-9CA9-3DFAAB2FAAA3}"/>
+      <p:sp>
+        <p:nvSpPr>
+          <p:cNvPr id="123" name="Rectangle: Rounded Corners 117">
+            <a:extLst>
+              <a:ext uri="{FF2B5EF4-FFF2-40B4-BE49-F238E27FC236}">
+                <a16:creationId xmlns:a16="http://schemas.microsoft.com/office/drawing/2014/main" id="{707845CA-5314-FB44-BC8E-F334E312DE11}"/>
               </a:ext>
             </a:extLst>
           </p:cNvPr>
@@ -4202,14 +4252,17 @@
         </p:nvSpPr>
         <p:spPr>
           <a:xfrm>
-            <a:off x="5728418" y="4727503"/>
-            <a:ext cx="959364" cy="370843"/>
+            <a:off x="4924936" y="1331896"/>
+            <a:ext cx="1215401" cy="423392"/>
           </a:xfrm>
           <a:prstGeom prst="roundRect">
             <a:avLst/>
           </a:prstGeom>
           <a:solidFill>
-            <a:schemeClr val="accent6"/>
+            <a:schemeClr val="accent5">
+              <a:lumMod val="40000"/>
+              <a:lumOff val="60000"/>
+            </a:schemeClr>
           </a:solidFill>
           <a:ln>
             <a:solidFill>
@@ -4240,36 +4293,34 @@
             <a:pPr algn="ctr"/>
             <a:r>
               <a:rPr lang="en-US" sz="901" dirty="0"/>
-              <a:t>Simulations of patchy particles</a:t>
+              <a:t>Particle vs. global frame of reference</a:t>
             </a:r>
           </a:p>
         </p:txBody>
       </p:sp>
       <p:cxnSp>
         <p:nvCxnSpPr>
-          <p:cNvPr id="88" name="Connector: Curved 128">
-            <a:extLst>
-              <a:ext uri="{FF2B5EF4-FFF2-40B4-BE49-F238E27FC236}">
-                <a16:creationId xmlns:a16="http://schemas.microsoft.com/office/drawing/2014/main" id="{633D4CA9-804F-E145-B81B-9798C12E1913}"/>
+          <p:cNvPr id="124" name="Connector: Curved 128">
+            <a:extLst>
+              <a:ext uri="{FF2B5EF4-FFF2-40B4-BE49-F238E27FC236}">
+                <a16:creationId xmlns:a16="http://schemas.microsoft.com/office/drawing/2014/main" id="{35FE8B0B-0D0D-6343-AAF2-C8BEDE8DB28F}"/>
               </a:ext>
             </a:extLst>
           </p:cNvPr>
           <p:cNvCxnSpPr>
             <a:cxnSpLocks/>
-            <a:stCxn id="118" idx="3"/>
-            <a:endCxn id="87" idx="1"/>
+            <a:stCxn id="123" idx="2"/>
+            <a:endCxn id="120" idx="1"/>
           </p:cNvCxnSpPr>
           <p:nvPr/>
         </p:nvCxnSpPr>
         <p:spPr>
-          <a:xfrm>
-            <a:off x="4865769" y="4557238"/>
-            <a:ext cx="862649" cy="355687"/>
-          </a:xfrm>
-          <a:prstGeom prst="curvedConnector3">
-            <a:avLst>
-              <a:gd name="adj1" fmla="val 50000"/>
-            </a:avLst>
+          <a:xfrm rot="16200000" flipH="1">
+            <a:off x="5624464" y="1663460"/>
+            <a:ext cx="719443" cy="903097"/>
+          </a:xfrm>
+          <a:prstGeom prst="curvedConnector2">
+            <a:avLst/>
           </a:prstGeom>
           <a:ln>
             <a:headEnd type="none" w="med" len="med"/>
@@ -4291,104 +4342,12 @@
           </a:fontRef>
         </p:style>
       </p:cxnSp>
-      <p:cxnSp>
-        <p:nvCxnSpPr>
-          <p:cNvPr id="91" name="Connector: Curved 128">
-            <a:extLst>
-              <a:ext uri="{FF2B5EF4-FFF2-40B4-BE49-F238E27FC236}">
-                <a16:creationId xmlns:a16="http://schemas.microsoft.com/office/drawing/2014/main" id="{55488356-09F6-6149-A92F-2F93860B98D9}"/>
-              </a:ext>
-            </a:extLst>
-          </p:cNvPr>
-          <p:cNvCxnSpPr>
-            <a:cxnSpLocks/>
-            <a:stCxn id="61" idx="3"/>
-            <a:endCxn id="87" idx="1"/>
-          </p:cNvCxnSpPr>
-          <p:nvPr/>
-        </p:nvCxnSpPr>
-        <p:spPr>
-          <a:xfrm flipV="1">
-            <a:off x="4865769" y="4912925"/>
-            <a:ext cx="862649" cy="380437"/>
-          </a:xfrm>
-          <a:prstGeom prst="curvedConnector3">
-            <a:avLst>
-              <a:gd name="adj1" fmla="val 50000"/>
-            </a:avLst>
-          </a:prstGeom>
-          <a:ln>
-            <a:headEnd type="none" w="med" len="med"/>
-            <a:tailEnd type="none" w="med" len="med"/>
-          </a:ln>
-        </p:spPr>
-        <p:style>
-          <a:lnRef idx="2">
-            <a:schemeClr val="dk1"/>
-          </a:lnRef>
-          <a:fillRef idx="0">
-            <a:schemeClr val="dk1"/>
-          </a:fillRef>
-          <a:effectRef idx="1">
-            <a:schemeClr val="dk1"/>
-          </a:effectRef>
-          <a:fontRef idx="minor">
-            <a:schemeClr val="tx1"/>
-          </a:fontRef>
-        </p:style>
-      </p:cxnSp>
-      <p:cxnSp>
-        <p:nvCxnSpPr>
-          <p:cNvPr id="98" name="Connector: Curved 128">
-            <a:extLst>
-              <a:ext uri="{FF2B5EF4-FFF2-40B4-BE49-F238E27FC236}">
-                <a16:creationId xmlns:a16="http://schemas.microsoft.com/office/drawing/2014/main" id="{737A34F6-AE95-084F-8569-A9D07D6C8625}"/>
-              </a:ext>
-            </a:extLst>
-          </p:cNvPr>
-          <p:cNvCxnSpPr>
-            <a:cxnSpLocks/>
-            <a:stCxn id="87" idx="3"/>
-            <a:endCxn id="66" idx="1"/>
-          </p:cNvCxnSpPr>
-          <p:nvPr/>
-        </p:nvCxnSpPr>
-        <p:spPr>
-          <a:xfrm flipV="1">
-            <a:off x="6687782" y="4885224"/>
-            <a:ext cx="557102" cy="27701"/>
-          </a:xfrm>
-          <a:prstGeom prst="curvedConnector3">
-            <a:avLst>
-              <a:gd name="adj1" fmla="val 50000"/>
-            </a:avLst>
-          </a:prstGeom>
-          <a:ln>
-            <a:headEnd type="none" w="med" len="med"/>
-            <a:tailEnd type="none" w="med" len="med"/>
-          </a:ln>
-        </p:spPr>
-        <p:style>
-          <a:lnRef idx="2">
-            <a:schemeClr val="dk1"/>
-          </a:lnRef>
-          <a:fillRef idx="0">
-            <a:schemeClr val="dk1"/>
-          </a:fillRef>
-          <a:effectRef idx="1">
-            <a:schemeClr val="dk1"/>
-          </a:effectRef>
-          <a:fontRef idx="minor">
-            <a:schemeClr val="tx1"/>
-          </a:fontRef>
-        </p:style>
-      </p:cxnSp>
-      <p:sp>
-        <p:nvSpPr>
-          <p:cNvPr id="108" name="Rectangle: Rounded Corners 117">
-            <a:extLst>
-              <a:ext uri="{FF2B5EF4-FFF2-40B4-BE49-F238E27FC236}">
-                <a16:creationId xmlns:a16="http://schemas.microsoft.com/office/drawing/2014/main" id="{66D02847-D94B-1C4B-AE14-98C998D52B53}"/>
+      <p:sp>
+        <p:nvSpPr>
+          <p:cNvPr id="128" name="Rectangle: Rounded Corners 117">
+            <a:extLst>
+              <a:ext uri="{FF2B5EF4-FFF2-40B4-BE49-F238E27FC236}">
+                <a16:creationId xmlns:a16="http://schemas.microsoft.com/office/drawing/2014/main" id="{E85AA7D3-392E-594A-87AD-019328A15524}"/>
               </a:ext>
             </a:extLst>
           </p:cNvPr>
@@ -4397,14 +4356,16 @@
         </p:nvSpPr>
         <p:spPr>
           <a:xfrm>
-            <a:off x="6486651" y="6214907"/>
-            <a:ext cx="959364" cy="370843"/>
+            <a:off x="7884906" y="2577485"/>
+            <a:ext cx="1120554" cy="370843"/>
           </a:xfrm>
           <a:prstGeom prst="roundRect">
             <a:avLst/>
           </a:prstGeom>
           <a:solidFill>
-            <a:schemeClr val="accent6"/>
+            <a:schemeClr val="bg1">
+              <a:lumMod val="65000"/>
+            </a:schemeClr>
           </a:solidFill>
           <a:ln>
             <a:solidFill>
@@ -4435,31 +4396,31 @@
             <a:pPr algn="ctr"/>
             <a:r>
               <a:rPr lang="en-US" sz="901" dirty="0"/>
-              <a:t>JIT compilation</a:t>
+              <a:t>Equilibration and self-assembly</a:t>
             </a:r>
           </a:p>
         </p:txBody>
       </p:sp>
       <p:cxnSp>
         <p:nvCxnSpPr>
-          <p:cNvPr id="109" name="Connector: Curved 128">
-            <a:extLst>
-              <a:ext uri="{FF2B5EF4-FFF2-40B4-BE49-F238E27FC236}">
-                <a16:creationId xmlns:a16="http://schemas.microsoft.com/office/drawing/2014/main" id="{9690B3DB-403A-E548-A19B-4C8062B58ECF}"/>
+          <p:cNvPr id="130" name="Connector: Curved 128">
+            <a:extLst>
+              <a:ext uri="{FF2B5EF4-FFF2-40B4-BE49-F238E27FC236}">
+                <a16:creationId xmlns:a16="http://schemas.microsoft.com/office/drawing/2014/main" id="{A875ADDB-4ECD-6648-9FEC-62CA9B35CEE7}"/>
               </a:ext>
             </a:extLst>
           </p:cNvPr>
           <p:cNvCxnSpPr>
             <a:cxnSpLocks/>
-            <a:stCxn id="200" idx="2"/>
-            <a:endCxn id="108" idx="0"/>
+            <a:stCxn id="120" idx="3"/>
+            <a:endCxn id="128" idx="1"/>
           </p:cNvCxnSpPr>
           <p:nvPr/>
         </p:nvCxnSpPr>
         <p:spPr>
-          <a:xfrm rot="5400000">
-            <a:off x="6921578" y="5891600"/>
-            <a:ext cx="368063" cy="278551"/>
+          <a:xfrm>
+            <a:off x="7395098" y="2474731"/>
+            <a:ext cx="489808" cy="288176"/>
           </a:xfrm>
           <a:prstGeom prst="curvedConnector3">
             <a:avLst>
@@ -4488,10 +4449,10 @@
       </p:cxnSp>
       <p:sp>
         <p:nvSpPr>
-          <p:cNvPr id="120" name="Rectangle: Rounded Corners 117">
-            <a:extLst>
-              <a:ext uri="{FF2B5EF4-FFF2-40B4-BE49-F238E27FC236}">
-                <a16:creationId xmlns:a16="http://schemas.microsoft.com/office/drawing/2014/main" id="{9E4F87DD-1DFE-5741-A1BA-384DD14FFD93}"/>
+          <p:cNvPr id="138" name="Rectangle: Rounded Corners 117">
+            <a:extLst>
+              <a:ext uri="{FF2B5EF4-FFF2-40B4-BE49-F238E27FC236}">
+                <a16:creationId xmlns:a16="http://schemas.microsoft.com/office/drawing/2014/main" id="{1EF02C83-E01C-3C43-A36D-8D2B776F85CF}"/>
               </a:ext>
             </a:extLst>
           </p:cNvPr>
@@ -4500,14 +4461,16 @@
         </p:nvSpPr>
         <p:spPr>
           <a:xfrm>
-            <a:off x="6637787" y="3261695"/>
+            <a:off x="8570677" y="1881063"/>
             <a:ext cx="959364" cy="370843"/>
           </a:xfrm>
           <a:prstGeom prst="roundRect">
             <a:avLst/>
           </a:prstGeom>
           <a:solidFill>
-            <a:schemeClr val="accent6"/>
+            <a:schemeClr val="bg1">
+              <a:lumMod val="65000"/>
+            </a:schemeClr>
           </a:solidFill>
           <a:ln>
             <a:solidFill>
@@ -4538,35 +4501,36 @@
             <a:pPr algn="ctr"/>
             <a:r>
               <a:rPr lang="en-US" sz="901" dirty="0"/>
-              <a:t>Initialization</a:t>
+              <a:t>MC moves</a:t>
             </a:r>
           </a:p>
         </p:txBody>
       </p:sp>
       <p:cxnSp>
         <p:nvCxnSpPr>
-          <p:cNvPr id="121" name="Connector: Curved 128">
-            <a:extLst>
-              <a:ext uri="{FF2B5EF4-FFF2-40B4-BE49-F238E27FC236}">
-                <a16:creationId xmlns:a16="http://schemas.microsoft.com/office/drawing/2014/main" id="{82745B1B-F984-B94F-9D7E-D2DB76CE2290}"/>
+          <p:cNvPr id="143" name="Connector: Curved 128">
+            <a:extLst>
+              <a:ext uri="{FF2B5EF4-FFF2-40B4-BE49-F238E27FC236}">
+                <a16:creationId xmlns:a16="http://schemas.microsoft.com/office/drawing/2014/main" id="{78007CBE-47C5-7746-8989-F99D24A1FEC6}"/>
               </a:ext>
             </a:extLst>
           </p:cNvPr>
           <p:cNvCxnSpPr>
             <a:cxnSpLocks/>
-            <a:stCxn id="87" idx="0"/>
-            <a:endCxn id="120" idx="2"/>
+            <a:stCxn id="128" idx="0"/>
+            <a:endCxn id="138" idx="3"/>
           </p:cNvCxnSpPr>
           <p:nvPr/>
         </p:nvCxnSpPr>
         <p:spPr>
           <a:xfrm rot="5400000" flipH="1" flipV="1">
-            <a:off x="6115302" y="3725337"/>
-            <a:ext cx="1094965" cy="909369"/>
-          </a:xfrm>
-          <a:prstGeom prst="curvedConnector3">
+            <a:off x="8732112" y="1779556"/>
+            <a:ext cx="511000" cy="1084858"/>
+          </a:xfrm>
+          <a:prstGeom prst="curvedConnector4">
             <a:avLst>
-              <a:gd name="adj1" fmla="val 50000"/>
+              <a:gd name="adj1" fmla="val 31857"/>
+              <a:gd name="adj2" fmla="val 121072"/>
             </a:avLst>
           </a:prstGeom>
           <a:ln>
@@ -4591,10 +4555,10 @@
       </p:cxnSp>
       <p:sp>
         <p:nvSpPr>
-          <p:cNvPr id="123" name="Rectangle: Rounded Corners 117">
-            <a:extLst>
-              <a:ext uri="{FF2B5EF4-FFF2-40B4-BE49-F238E27FC236}">
-                <a16:creationId xmlns:a16="http://schemas.microsoft.com/office/drawing/2014/main" id="{707845CA-5314-FB44-BC8E-F334E312DE11}"/>
+          <p:cNvPr id="144" name="Rectangle: Rounded Corners 133">
+            <a:extLst>
+              <a:ext uri="{FF2B5EF4-FFF2-40B4-BE49-F238E27FC236}">
+                <a16:creationId xmlns:a16="http://schemas.microsoft.com/office/drawing/2014/main" id="{1E810D62-A62E-7B4F-9D76-E65FB3BEA824}"/>
               </a:ext>
             </a:extLst>
           </p:cNvPr>
@@ -4603,14 +4567,14 @@
         </p:nvSpPr>
         <p:spPr>
           <a:xfrm>
-            <a:off x="5126989" y="2304282"/>
-            <a:ext cx="1215401" cy="423392"/>
+            <a:off x="8378962" y="878116"/>
+            <a:ext cx="966262" cy="300204"/>
           </a:xfrm>
           <a:prstGeom prst="roundRect">
             <a:avLst/>
           </a:prstGeom>
           <a:solidFill>
-            <a:schemeClr val="accent6"/>
+            <a:schemeClr val="accent3"/>
           </a:solidFill>
           <a:ln>
             <a:solidFill>
@@ -4640,62 +4604,18 @@
           <a:p>
             <a:pPr algn="ctr"/>
             <a:r>
-              <a:rPr lang="en-US" sz="901" dirty="0"/>
-              <a:t>Particle vs. global frame of reference</a:t>
-            </a:r>
-          </a:p>
-        </p:txBody>
-      </p:sp>
-      <p:cxnSp>
-        <p:nvCxnSpPr>
-          <p:cNvPr id="124" name="Connector: Curved 128">
-            <a:extLst>
-              <a:ext uri="{FF2B5EF4-FFF2-40B4-BE49-F238E27FC236}">
-                <a16:creationId xmlns:a16="http://schemas.microsoft.com/office/drawing/2014/main" id="{35FE8B0B-0D0D-6343-AAF2-C8BEDE8DB28F}"/>
-              </a:ext>
-            </a:extLst>
-          </p:cNvPr>
-          <p:cNvCxnSpPr>
-            <a:cxnSpLocks/>
-            <a:stCxn id="123" idx="2"/>
-            <a:endCxn id="120" idx="1"/>
-          </p:cNvCxnSpPr>
-          <p:nvPr/>
-        </p:nvCxnSpPr>
-        <p:spPr>
-          <a:xfrm rot="16200000" flipH="1">
-            <a:off x="5826517" y="2635846"/>
-            <a:ext cx="719443" cy="903097"/>
-          </a:xfrm>
-          <a:prstGeom prst="curvedConnector2">
-            <a:avLst/>
-          </a:prstGeom>
-          <a:ln>
-            <a:headEnd type="none" w="med" len="med"/>
-            <a:tailEnd type="none" w="med" len="med"/>
-          </a:ln>
-        </p:spPr>
-        <p:style>
-          <a:lnRef idx="2">
-            <a:schemeClr val="dk1"/>
-          </a:lnRef>
-          <a:fillRef idx="0">
-            <a:schemeClr val="dk1"/>
-          </a:fillRef>
-          <a:effectRef idx="1">
-            <a:schemeClr val="dk1"/>
-          </a:effectRef>
-          <a:fontRef idx="minor">
-            <a:schemeClr val="tx1"/>
-          </a:fontRef>
-        </p:style>
-      </p:cxnSp>
-      <p:sp>
-        <p:nvSpPr>
-          <p:cNvPr id="128" name="Rectangle: Rounded Corners 117">
-            <a:extLst>
-              <a:ext uri="{FF2B5EF4-FFF2-40B4-BE49-F238E27FC236}">
-                <a16:creationId xmlns:a16="http://schemas.microsoft.com/office/drawing/2014/main" id="{E85AA7D3-392E-594A-87AD-019328A15524}"/>
+              <a:rPr lang="en-US" sz="900" dirty="0"/>
+              <a:t>Translation</a:t>
+            </a:r>
+          </a:p>
+        </p:txBody>
+      </p:sp>
+      <p:sp>
+        <p:nvSpPr>
+          <p:cNvPr id="147" name="Rectangle: Rounded Corners 133">
+            <a:extLst>
+              <a:ext uri="{FF2B5EF4-FFF2-40B4-BE49-F238E27FC236}">
+                <a16:creationId xmlns:a16="http://schemas.microsoft.com/office/drawing/2014/main" id="{B9C41666-FAA2-E540-9657-938B6AA85BFC}"/>
               </a:ext>
             </a:extLst>
           </p:cNvPr>
@@ -4704,14 +4624,14 @@
         </p:nvSpPr>
         <p:spPr>
           <a:xfrm>
-            <a:off x="8086959" y="3549871"/>
-            <a:ext cx="1120554" cy="370843"/>
+            <a:off x="6915416" y="1155994"/>
+            <a:ext cx="966262" cy="300204"/>
           </a:xfrm>
           <a:prstGeom prst="roundRect">
             <a:avLst/>
           </a:prstGeom>
           <a:solidFill>
-            <a:schemeClr val="accent6"/>
+            <a:schemeClr val="accent3"/>
           </a:solidFill>
           <a:ln>
             <a:solidFill>
@@ -4741,32 +4661,32 @@
           <a:p>
             <a:pPr algn="ctr"/>
             <a:r>
-              <a:rPr lang="en-US" sz="901" dirty="0"/>
-              <a:t>Equilibration and self-assembly</a:t>
+              <a:rPr lang="en-US" sz="900" dirty="0"/>
+              <a:t>Rotation</a:t>
             </a:r>
           </a:p>
         </p:txBody>
       </p:sp>
       <p:cxnSp>
         <p:nvCxnSpPr>
-          <p:cNvPr id="130" name="Connector: Curved 128">
-            <a:extLst>
-              <a:ext uri="{FF2B5EF4-FFF2-40B4-BE49-F238E27FC236}">
-                <a16:creationId xmlns:a16="http://schemas.microsoft.com/office/drawing/2014/main" id="{A875ADDB-4ECD-6648-9FEC-62CA9B35CEE7}"/>
+          <p:cNvPr id="148" name="Connector: Curved 128">
+            <a:extLst>
+              <a:ext uri="{FF2B5EF4-FFF2-40B4-BE49-F238E27FC236}">
+                <a16:creationId xmlns:a16="http://schemas.microsoft.com/office/drawing/2014/main" id="{EA1ED4F1-2A8D-B848-98C5-2FF12C11CCBE}"/>
               </a:ext>
             </a:extLst>
           </p:cNvPr>
           <p:cNvCxnSpPr>
             <a:cxnSpLocks/>
-            <a:stCxn id="120" idx="3"/>
-            <a:endCxn id="128" idx="1"/>
+            <a:stCxn id="138" idx="0"/>
+            <a:endCxn id="147" idx="2"/>
           </p:cNvCxnSpPr>
           <p:nvPr/>
         </p:nvCxnSpPr>
         <p:spPr>
-          <a:xfrm>
-            <a:off x="7597151" y="3447117"/>
-            <a:ext cx="489808" cy="288176"/>
+          <a:xfrm rot="16200000" flipV="1">
+            <a:off x="8012021" y="842725"/>
+            <a:ext cx="424865" cy="1651812"/>
           </a:xfrm>
           <a:prstGeom prst="curvedConnector3">
             <a:avLst>
@@ -4793,12 +4713,104 @@
           </a:fontRef>
         </p:style>
       </p:cxnSp>
-      <p:sp>
-        <p:nvSpPr>
-          <p:cNvPr id="138" name="Rectangle: Rounded Corners 117">
-            <a:extLst>
-              <a:ext uri="{FF2B5EF4-FFF2-40B4-BE49-F238E27FC236}">
-                <a16:creationId xmlns:a16="http://schemas.microsoft.com/office/drawing/2014/main" id="{1EF02C83-E01C-3C43-A36D-8D2B776F85CF}"/>
+      <p:cxnSp>
+        <p:nvCxnSpPr>
+          <p:cNvPr id="151" name="Connector: Curved 128">
+            <a:extLst>
+              <a:ext uri="{FF2B5EF4-FFF2-40B4-BE49-F238E27FC236}">
+                <a16:creationId xmlns:a16="http://schemas.microsoft.com/office/drawing/2014/main" id="{022EA9BD-008D-F841-B990-42A4A7DE50F7}"/>
+              </a:ext>
+            </a:extLst>
+          </p:cNvPr>
+          <p:cNvCxnSpPr>
+            <a:cxnSpLocks/>
+            <a:stCxn id="138" idx="0"/>
+            <a:endCxn id="144" idx="2"/>
+          </p:cNvCxnSpPr>
+          <p:nvPr/>
+        </p:nvCxnSpPr>
+        <p:spPr>
+          <a:xfrm rot="16200000" flipV="1">
+            <a:off x="8604855" y="1435559"/>
+            <a:ext cx="702743" cy="188266"/>
+          </a:xfrm>
+          <a:prstGeom prst="curvedConnector3">
+            <a:avLst>
+              <a:gd name="adj1" fmla="val 50000"/>
+            </a:avLst>
+          </a:prstGeom>
+          <a:ln>
+            <a:headEnd type="none" w="med" len="med"/>
+            <a:tailEnd type="none" w="med" len="med"/>
+          </a:ln>
+        </p:spPr>
+        <p:style>
+          <a:lnRef idx="2">
+            <a:schemeClr val="dk1"/>
+          </a:lnRef>
+          <a:fillRef idx="0">
+            <a:schemeClr val="dk1"/>
+          </a:fillRef>
+          <a:effectRef idx="1">
+            <a:schemeClr val="dk1"/>
+          </a:effectRef>
+          <a:fontRef idx="minor">
+            <a:schemeClr val="tx1"/>
+          </a:fontRef>
+        </p:style>
+      </p:cxnSp>
+      <p:cxnSp>
+        <p:nvCxnSpPr>
+          <p:cNvPr id="153" name="Connector: Curved 128">
+            <a:extLst>
+              <a:ext uri="{FF2B5EF4-FFF2-40B4-BE49-F238E27FC236}">
+                <a16:creationId xmlns:a16="http://schemas.microsoft.com/office/drawing/2014/main" id="{6158455D-6B1D-0F4C-9D48-3200E316B050}"/>
+              </a:ext>
+            </a:extLst>
+          </p:cNvPr>
+          <p:cNvCxnSpPr>
+            <a:cxnSpLocks/>
+            <a:stCxn id="123" idx="3"/>
+            <a:endCxn id="147" idx="1"/>
+          </p:cNvCxnSpPr>
+          <p:nvPr/>
+        </p:nvCxnSpPr>
+        <p:spPr>
+          <a:xfrm flipV="1">
+            <a:off x="6140337" y="1306096"/>
+            <a:ext cx="775079" cy="237496"/>
+          </a:xfrm>
+          <a:prstGeom prst="curvedConnector3">
+            <a:avLst>
+              <a:gd name="adj1" fmla="val 50000"/>
+            </a:avLst>
+          </a:prstGeom>
+          <a:ln>
+            <a:headEnd type="none" w="med" len="med"/>
+            <a:tailEnd type="none" w="med" len="med"/>
+          </a:ln>
+        </p:spPr>
+        <p:style>
+          <a:lnRef idx="2">
+            <a:schemeClr val="dk1"/>
+          </a:lnRef>
+          <a:fillRef idx="0">
+            <a:schemeClr val="dk1"/>
+          </a:fillRef>
+          <a:effectRef idx="1">
+            <a:schemeClr val="dk1"/>
+          </a:effectRef>
+          <a:fontRef idx="minor">
+            <a:schemeClr val="tx1"/>
+          </a:fontRef>
+        </p:style>
+      </p:cxnSp>
+      <p:sp>
+        <p:nvSpPr>
+          <p:cNvPr id="158" name="Rectangle: Rounded Corners 65">
+            <a:extLst>
+              <a:ext uri="{FF2B5EF4-FFF2-40B4-BE49-F238E27FC236}">
+                <a16:creationId xmlns:a16="http://schemas.microsoft.com/office/drawing/2014/main" id="{C8F67063-D9E8-3D46-870F-EB42BB61DC20}"/>
               </a:ext>
             </a:extLst>
           </p:cNvPr>
@@ -4807,14 +4819,16 @@
         </p:nvSpPr>
         <p:spPr>
           <a:xfrm>
-            <a:off x="8772730" y="2853449"/>
-            <a:ext cx="959364" cy="370843"/>
+            <a:off x="9729609" y="1222737"/>
+            <a:ext cx="710249" cy="370843"/>
           </a:xfrm>
           <a:prstGeom prst="roundRect">
             <a:avLst/>
           </a:prstGeom>
           <a:solidFill>
-            <a:schemeClr val="accent6"/>
+            <a:schemeClr val="bg1">
+              <a:lumMod val="65000"/>
+            </a:schemeClr>
           </a:solidFill>
           <a:ln>
             <a:solidFill>
@@ -4844,38 +4858,35 @@
           <a:p>
             <a:pPr algn="ctr"/>
             <a:r>
-              <a:rPr lang="en-US" sz="901" dirty="0"/>
-              <a:t>MC moves</a:t>
+              <a:rPr lang="en-US" sz="901" b="1" dirty="0"/>
+              <a:t>Move size tuners</a:t>
             </a:r>
           </a:p>
         </p:txBody>
       </p:sp>
       <p:cxnSp>
         <p:nvCxnSpPr>
-          <p:cNvPr id="143" name="Connector: Curved 128">
-            <a:extLst>
-              <a:ext uri="{FF2B5EF4-FFF2-40B4-BE49-F238E27FC236}">
-                <a16:creationId xmlns:a16="http://schemas.microsoft.com/office/drawing/2014/main" id="{78007CBE-47C5-7746-8989-F99D24A1FEC6}"/>
+          <p:cNvPr id="160" name="Connector: Curved 128">
+            <a:extLst>
+              <a:ext uri="{FF2B5EF4-FFF2-40B4-BE49-F238E27FC236}">
+                <a16:creationId xmlns:a16="http://schemas.microsoft.com/office/drawing/2014/main" id="{565709AE-866F-1C42-ACAE-C1CDA2FF0614}"/>
               </a:ext>
             </a:extLst>
           </p:cNvPr>
           <p:cNvCxnSpPr>
             <a:cxnSpLocks/>
-            <a:stCxn id="128" idx="0"/>
-            <a:endCxn id="138" idx="3"/>
+            <a:stCxn id="138" idx="0"/>
+            <a:endCxn id="158" idx="1"/>
           </p:cNvCxnSpPr>
           <p:nvPr/>
         </p:nvCxnSpPr>
         <p:spPr>
           <a:xfrm rot="5400000" flipH="1" flipV="1">
-            <a:off x="8934165" y="2751942"/>
-            <a:ext cx="511000" cy="1084858"/>
-          </a:xfrm>
-          <a:prstGeom prst="curvedConnector4">
-            <a:avLst>
-              <a:gd name="adj1" fmla="val 31857"/>
-              <a:gd name="adj2" fmla="val 121072"/>
-            </a:avLst>
+            <a:off x="9153532" y="1304986"/>
+            <a:ext cx="472904" cy="679250"/>
+          </a:xfrm>
+          <a:prstGeom prst="curvedConnector2">
+            <a:avLst/>
           </a:prstGeom>
           <a:ln>
             <a:headEnd type="none" w="med" len="med"/>
@@ -4899,10 +4910,10 @@
       </p:cxnSp>
       <p:sp>
         <p:nvSpPr>
-          <p:cNvPr id="144" name="Rectangle: Rounded Corners 133">
-            <a:extLst>
-              <a:ext uri="{FF2B5EF4-FFF2-40B4-BE49-F238E27FC236}">
-                <a16:creationId xmlns:a16="http://schemas.microsoft.com/office/drawing/2014/main" id="{1E810D62-A62E-7B4F-9D76-E65FB3BEA824}"/>
+          <p:cNvPr id="161" name="Rectangle: Rounded Corners 65">
+            <a:extLst>
+              <a:ext uri="{FF2B5EF4-FFF2-40B4-BE49-F238E27FC236}">
+                <a16:creationId xmlns:a16="http://schemas.microsoft.com/office/drawing/2014/main" id="{42D00FB0-33CB-BF4E-80DA-D3D7708F1840}"/>
               </a:ext>
             </a:extLst>
           </p:cNvPr>
@@ -4911,14 +4922,14 @@
         </p:nvSpPr>
         <p:spPr>
           <a:xfrm>
-            <a:off x="8581015" y="1850502"/>
-            <a:ext cx="966262" cy="300204"/>
+            <a:off x="8862093" y="3391072"/>
+            <a:ext cx="1395981" cy="336344"/>
           </a:xfrm>
           <a:prstGeom prst="roundRect">
             <a:avLst/>
           </a:prstGeom>
           <a:solidFill>
-            <a:schemeClr val="accent3"/>
+            <a:schemeClr val="accent5"/>
           </a:solidFill>
           <a:ln>
             <a:solidFill>
@@ -4948,18 +4959,65 @@
           <a:p>
             <a:pPr algn="ctr"/>
             <a:r>
-              <a:rPr lang="en-US" sz="900" dirty="0"/>
-              <a:t>Translation</a:t>
-            </a:r>
-          </a:p>
-        </p:txBody>
-      </p:sp>
-      <p:sp>
-        <p:nvSpPr>
-          <p:cNvPr id="147" name="Rectangle: Rounded Corners 133">
-            <a:extLst>
-              <a:ext uri="{FF2B5EF4-FFF2-40B4-BE49-F238E27FC236}">
-                <a16:creationId xmlns:a16="http://schemas.microsoft.com/office/drawing/2014/main" id="{B9C41666-FAA2-E540-9657-938B6AA85BFC}"/>
+              <a:rPr lang="en-US" sz="901" b="1" dirty="0" err="1"/>
+              <a:t>hpmc.integrate.Sphere</a:t>
+            </a:r>
+            <a:endParaRPr lang="en-US" sz="901" b="1" dirty="0"/>
+          </a:p>
+        </p:txBody>
+      </p:sp>
+      <p:cxnSp>
+        <p:nvCxnSpPr>
+          <p:cNvPr id="169" name="Connector: Curved 128">
+            <a:extLst>
+              <a:ext uri="{FF2B5EF4-FFF2-40B4-BE49-F238E27FC236}">
+                <a16:creationId xmlns:a16="http://schemas.microsoft.com/office/drawing/2014/main" id="{E4911600-5AFA-B84C-ACC1-D5F876161F46}"/>
+              </a:ext>
+            </a:extLst>
+          </p:cNvPr>
+          <p:cNvCxnSpPr>
+            <a:cxnSpLocks/>
+            <a:stCxn id="161" idx="0"/>
+            <a:endCxn id="128" idx="2"/>
+          </p:cNvCxnSpPr>
+          <p:nvPr/>
+        </p:nvCxnSpPr>
+        <p:spPr>
+          <a:xfrm rot="16200000" flipV="1">
+            <a:off x="8781262" y="2612249"/>
+            <a:ext cx="442744" cy="1114901"/>
+          </a:xfrm>
+          <a:prstGeom prst="curvedConnector3">
+            <a:avLst>
+              <a:gd name="adj1" fmla="val 50000"/>
+            </a:avLst>
+          </a:prstGeom>
+          <a:ln>
+            <a:headEnd type="none" w="med" len="med"/>
+            <a:tailEnd type="none" w="med" len="med"/>
+          </a:ln>
+        </p:spPr>
+        <p:style>
+          <a:lnRef idx="2">
+            <a:schemeClr val="dk1"/>
+          </a:lnRef>
+          <a:fillRef idx="0">
+            <a:schemeClr val="dk1"/>
+          </a:fillRef>
+          <a:effectRef idx="1">
+            <a:schemeClr val="dk1"/>
+          </a:effectRef>
+          <a:fontRef idx="minor">
+            <a:schemeClr val="tx1"/>
+          </a:fontRef>
+        </p:style>
+      </p:cxnSp>
+      <p:sp>
+        <p:nvSpPr>
+          <p:cNvPr id="174" name="Rectangle: Rounded Corners 65">
+            <a:extLst>
+              <a:ext uri="{FF2B5EF4-FFF2-40B4-BE49-F238E27FC236}">
+                <a16:creationId xmlns:a16="http://schemas.microsoft.com/office/drawing/2014/main" id="{973B8C69-01E4-9F40-902F-883CE0C200B7}"/>
               </a:ext>
             </a:extLst>
           </p:cNvPr>
@@ -4968,14 +5026,16 @@
         </p:nvSpPr>
         <p:spPr>
           <a:xfrm>
-            <a:off x="7117469" y="2128380"/>
-            <a:ext cx="966262" cy="300204"/>
+            <a:off x="4543305" y="2792569"/>
+            <a:ext cx="1395981" cy="336344"/>
           </a:xfrm>
           <a:prstGeom prst="roundRect">
             <a:avLst/>
           </a:prstGeom>
           <a:solidFill>
-            <a:schemeClr val="accent3"/>
+            <a:schemeClr val="bg1">
+              <a:lumMod val="65000"/>
+            </a:schemeClr>
           </a:solidFill>
           <a:ln>
             <a:solidFill>
@@ -5005,32 +5065,33 @@
           <a:p>
             <a:pPr algn="ctr"/>
             <a:r>
-              <a:rPr lang="en-US" sz="900" dirty="0"/>
-              <a:t>Rotation</a:t>
-            </a:r>
+              <a:rPr lang="en-US" sz="901" b="1" dirty="0" err="1"/>
+              <a:t>hoomd.Snapshot</a:t>
+            </a:r>
+            <a:endParaRPr lang="en-US" sz="901" b="1" dirty="0"/>
           </a:p>
         </p:txBody>
       </p:sp>
       <p:cxnSp>
         <p:nvCxnSpPr>
-          <p:cNvPr id="148" name="Connector: Curved 128">
-            <a:extLst>
-              <a:ext uri="{FF2B5EF4-FFF2-40B4-BE49-F238E27FC236}">
-                <a16:creationId xmlns:a16="http://schemas.microsoft.com/office/drawing/2014/main" id="{EA1ED4F1-2A8D-B848-98C5-2FF12C11CCBE}"/>
+          <p:cNvPr id="175" name="Connector: Curved 128">
+            <a:extLst>
+              <a:ext uri="{FF2B5EF4-FFF2-40B4-BE49-F238E27FC236}">
+                <a16:creationId xmlns:a16="http://schemas.microsoft.com/office/drawing/2014/main" id="{372E7FB4-692A-4F4D-8729-A39A25808FE7}"/>
               </a:ext>
             </a:extLst>
           </p:cNvPr>
           <p:cNvCxnSpPr>
             <a:cxnSpLocks/>
-            <a:stCxn id="138" idx="0"/>
-            <a:endCxn id="147" idx="2"/>
+            <a:stCxn id="174" idx="3"/>
+            <a:endCxn id="120" idx="1"/>
           </p:cNvCxnSpPr>
           <p:nvPr/>
         </p:nvCxnSpPr>
         <p:spPr>
-          <a:xfrm rot="16200000" flipV="1">
-            <a:off x="8214074" y="1815111"/>
-            <a:ext cx="424865" cy="1651812"/>
+          <a:xfrm flipV="1">
+            <a:off x="5939286" y="2474731"/>
+            <a:ext cx="496448" cy="486010"/>
           </a:xfrm>
           <a:prstGeom prst="curvedConnector3">
             <a:avLst>
@@ -5059,24 +5120,24 @@
       </p:cxnSp>
       <p:cxnSp>
         <p:nvCxnSpPr>
-          <p:cNvPr id="151" name="Connector: Curved 128">
-            <a:extLst>
-              <a:ext uri="{FF2B5EF4-FFF2-40B4-BE49-F238E27FC236}">
-                <a16:creationId xmlns:a16="http://schemas.microsoft.com/office/drawing/2014/main" id="{022EA9BD-008D-F841-B990-42A4A7DE50F7}"/>
+          <p:cNvPr id="187" name="Connector: Curved 128">
+            <a:extLst>
+              <a:ext uri="{FF2B5EF4-FFF2-40B4-BE49-F238E27FC236}">
+                <a16:creationId xmlns:a16="http://schemas.microsoft.com/office/drawing/2014/main" id="{C13ABE1B-7AD2-2549-A17C-80AA81BAAD48}"/>
               </a:ext>
             </a:extLst>
           </p:cNvPr>
           <p:cNvCxnSpPr>
             <a:cxnSpLocks/>
-            <a:stCxn id="138" idx="0"/>
-            <a:endCxn id="144" idx="2"/>
+            <a:stCxn id="66" idx="0"/>
+            <a:endCxn id="128" idx="2"/>
           </p:cNvCxnSpPr>
           <p:nvPr/>
         </p:nvCxnSpPr>
         <p:spPr>
-          <a:xfrm rot="16200000" flipV="1">
-            <a:off x="8806908" y="2407945"/>
-            <a:ext cx="702743" cy="188266"/>
+          <a:xfrm rot="5400000" flipH="1" flipV="1">
+            <a:off x="7762773" y="3045006"/>
+            <a:ext cx="779088" cy="585732"/>
           </a:xfrm>
           <a:prstGeom prst="curvedConnector3">
             <a:avLst>
@@ -5103,58 +5164,262 @@
           </a:fontRef>
         </p:style>
       </p:cxnSp>
-      <p:cxnSp>
-        <p:nvCxnSpPr>
-          <p:cNvPr id="153" name="Connector: Curved 128">
-            <a:extLst>
-              <a:ext uri="{FF2B5EF4-FFF2-40B4-BE49-F238E27FC236}">
-                <a16:creationId xmlns:a16="http://schemas.microsoft.com/office/drawing/2014/main" id="{6158455D-6B1D-0F4C-9D48-3200E316B050}"/>
-              </a:ext>
-            </a:extLst>
-          </p:cNvPr>
-          <p:cNvCxnSpPr>
-            <a:cxnSpLocks/>
-            <a:stCxn id="123" idx="3"/>
-            <a:endCxn id="147" idx="1"/>
-          </p:cNvCxnSpPr>
+      <p:sp>
+        <p:nvSpPr>
+          <p:cNvPr id="195" name="TextBox 194">
+            <a:extLst>
+              <a:ext uri="{FF2B5EF4-FFF2-40B4-BE49-F238E27FC236}">
+                <a16:creationId xmlns:a16="http://schemas.microsoft.com/office/drawing/2014/main" id="{6C4F86EF-C89A-4619-B008-F7B33FAD87C1}"/>
+              </a:ext>
+            </a:extLst>
+          </p:cNvPr>
+          <p:cNvSpPr txBox="1"/>
           <p:nvPr/>
-        </p:nvCxnSpPr>
-        <p:spPr>
-          <a:xfrm flipV="1">
-            <a:off x="6342390" y="2278482"/>
-            <a:ext cx="775079" cy="237496"/>
-          </a:xfrm>
-          <a:prstGeom prst="curvedConnector3">
-            <a:avLst>
-              <a:gd name="adj1" fmla="val 50000"/>
-            </a:avLst>
+        </p:nvSpPr>
+        <p:spPr>
+          <a:xfrm>
+            <a:off x="125394" y="87141"/>
+            <a:ext cx="3495931" cy="5082930"/>
+          </a:xfrm>
+          <a:prstGeom prst="rect">
+            <a:avLst/>
           </a:prstGeom>
-          <a:ln>
-            <a:headEnd type="none" w="med" len="med"/>
-            <a:tailEnd type="none" w="med" len="med"/>
-          </a:ln>
-        </p:spPr>
-        <p:style>
-          <a:lnRef idx="2">
-            <a:schemeClr val="dk1"/>
-          </a:lnRef>
-          <a:fillRef idx="0">
-            <a:schemeClr val="dk1"/>
-          </a:fillRef>
-          <a:effectRef idx="1">
-            <a:schemeClr val="dk1"/>
-          </a:effectRef>
-          <a:fontRef idx="minor">
-            <a:schemeClr val="tx1"/>
-          </a:fontRef>
-        </p:style>
-      </p:cxnSp>
-      <p:sp>
-        <p:nvSpPr>
-          <p:cNvPr id="158" name="Rectangle: Rounded Corners 65">
-            <a:extLst>
-              <a:ext uri="{FF2B5EF4-FFF2-40B4-BE49-F238E27FC236}">
-                <a16:creationId xmlns:a16="http://schemas.microsoft.com/office/drawing/2014/main" id="{C8F67063-D9E8-3D46-870F-EB42BB61DC20}"/>
+          <a:noFill/>
+        </p:spPr>
+        <p:txBody>
+          <a:bodyPr wrap="square" rtlCol="0">
+            <a:spAutoFit/>
+          </a:bodyPr>
+          <a:lstStyle/>
+          <a:p>
+            <a:r>
+              <a:rPr lang="en-US" sz="901" b="1" dirty="0"/>
+              <a:t>Outline</a:t>
+            </a:r>
+          </a:p>
+          <a:p>
+            <a:pPr marL="171633" indent="-171633">
+              <a:buAutoNum type="arabicPeriod"/>
+            </a:pPr>
+            <a:r>
+              <a:rPr lang="en-US" sz="901" dirty="0"/>
+              <a:t>Overview and learning objectives</a:t>
+            </a:r>
+          </a:p>
+          <a:p>
+            <a:pPr marL="628833" lvl="1" indent="-171633">
+              <a:buAutoNum type="arabicPeriod"/>
+            </a:pPr>
+            <a:r>
+              <a:rPr lang="en-US" sz="901" dirty="0"/>
+              <a:t>Main goal: demonstrate how to use the user-defined, JIT-compiled pair interactions within HPMC</a:t>
+            </a:r>
+          </a:p>
+          <a:p>
+            <a:pPr marL="628833" lvl="1" indent="-171633">
+              <a:buAutoNum type="arabicPeriod"/>
+            </a:pPr>
+            <a:r>
+              <a:rPr lang="en-US" sz="901" dirty="0"/>
+              <a:t>After completing this tutorial, the user should be able to:</a:t>
+            </a:r>
+          </a:p>
+          <a:p>
+            <a:pPr marL="1086033" lvl="2" indent="-171633">
+              <a:buAutoNum type="arabicPeriod"/>
+            </a:pPr>
+            <a:r>
+              <a:rPr lang="en-US" sz="901" dirty="0"/>
+              <a:t>How to implement the Kern–Frenkel model: cite that paper</a:t>
+            </a:r>
+          </a:p>
+          <a:p>
+            <a:pPr marL="1086033" lvl="2" indent="-171633">
+              <a:buAutoNum type="arabicPeriod"/>
+            </a:pPr>
+            <a:r>
+              <a:rPr lang="en-US" sz="901" dirty="0"/>
+              <a:t>Set up and run a simulation of Kern–Frenkel particles, including write the JIT code necessary to implement the model</a:t>
+            </a:r>
+          </a:p>
+          <a:p>
+            <a:pPr marL="1086033" lvl="2" indent="-171633">
+              <a:buAutoNum type="arabicPeriod"/>
+            </a:pPr>
+            <a:r>
+              <a:rPr lang="en-US" sz="901" dirty="0"/>
+              <a:t>Implement any (sufficiently simple) pair potential within an HPMC simulation, including </a:t>
+            </a:r>
+          </a:p>
+          <a:p>
+            <a:pPr marL="628833" lvl="1" indent="-171633">
+              <a:buAutoNum type="arabicPeriod"/>
+            </a:pPr>
+            <a:r>
+              <a:rPr lang="en-US" sz="901" dirty="0"/>
+              <a:t>This tutorial assumes the user has completed the previous tutorials and is familiar with the following concepts:</a:t>
+            </a:r>
+          </a:p>
+          <a:p>
+            <a:pPr marL="1086033" lvl="2" indent="-171633">
+              <a:buAutoNum type="arabicPeriod"/>
+            </a:pPr>
+            <a:r>
+              <a:rPr lang="en-US" sz="901" dirty="0"/>
+              <a:t>HOOMD snapshots to initialize a system</a:t>
+            </a:r>
+          </a:p>
+          <a:p>
+            <a:pPr marL="1086033" lvl="2" indent="-171633">
+              <a:buAutoNum type="arabicPeriod"/>
+            </a:pPr>
+            <a:r>
+              <a:rPr lang="en-US" sz="901" dirty="0"/>
+              <a:t>HPMC simulations and relevant statistical mechanical concepts (microstates, energy, entropy…)</a:t>
+            </a:r>
+          </a:p>
+          <a:p>
+            <a:pPr marL="1086033" lvl="2" indent="-171633">
+              <a:buAutoNum type="arabicPeriod"/>
+            </a:pPr>
+            <a:r>
+              <a:rPr lang="en-US" sz="901" dirty="0"/>
+              <a:t>MC moves, acceptance rates, and tuners</a:t>
+            </a:r>
+          </a:p>
+          <a:p>
+            <a:pPr marL="171633" indent="-171633">
+              <a:buAutoNum type="arabicPeriod"/>
+            </a:pPr>
+            <a:r>
+              <a:rPr lang="en-US" sz="901" dirty="0"/>
+              <a:t>Kern–Frenkel model</a:t>
+            </a:r>
+          </a:p>
+          <a:p>
+            <a:pPr marL="628833" lvl="1" indent="-171633">
+              <a:buAutoNum type="arabicPeriod"/>
+            </a:pPr>
+            <a:r>
+              <a:rPr lang="en-US" sz="901" dirty="0"/>
+              <a:t>Math + figures</a:t>
+            </a:r>
+          </a:p>
+          <a:p>
+            <a:pPr marL="628833" lvl="1" indent="-171633">
+              <a:buAutoNum type="arabicPeriod"/>
+            </a:pPr>
+            <a:r>
+              <a:rPr lang="en-US" sz="901" dirty="0" err="1"/>
+              <a:t>CPPPotential</a:t>
+            </a:r>
+            <a:r>
+              <a:rPr lang="en-US" sz="901" dirty="0"/>
+              <a:t> object for user-defined pair interactions + JIT code to implement KF model</a:t>
+            </a:r>
+          </a:p>
+          <a:p>
+            <a:pPr marL="628833" lvl="1" indent="-171633">
+              <a:buAutoNum type="arabicPeriod"/>
+            </a:pPr>
+            <a:r>
+              <a:rPr lang="en-US" sz="901" dirty="0"/>
+              <a:t>Define patch directors in local frame of reference</a:t>
+            </a:r>
+          </a:p>
+          <a:p>
+            <a:pPr marL="628833" lvl="1" indent="-171633">
+              <a:buAutoNum type="arabicPeriod"/>
+            </a:pPr>
+            <a:r>
+              <a:rPr lang="en-US" sz="901" dirty="0"/>
+              <a:t>Orientation quaternion rotates from local frame into global frame</a:t>
+            </a:r>
+          </a:p>
+          <a:p>
+            <a:pPr marL="628833" lvl="1" indent="-171633">
+              <a:buAutoNum type="arabicPeriod"/>
+            </a:pPr>
+            <a:r>
+              <a:rPr lang="en-US" sz="901" dirty="0" err="1"/>
+              <a:t>HOOMDMath</a:t>
+            </a:r>
+            <a:r>
+              <a:rPr lang="en-US" sz="901" dirty="0"/>
+              <a:t> library, vectors, quaternions, dot products, vector rotation</a:t>
+            </a:r>
+          </a:p>
+          <a:p>
+            <a:pPr marL="171633" indent="-171633">
+              <a:buAutoNum type="arabicPeriod"/>
+            </a:pPr>
+            <a:r>
+              <a:rPr lang="en-US" sz="901" dirty="0"/>
+              <a:t>Run many particle simulation</a:t>
+            </a:r>
+          </a:p>
+          <a:p>
+            <a:pPr marL="628833" lvl="1" indent="-171633">
+              <a:buAutoNum type="arabicPeriod"/>
+            </a:pPr>
+            <a:r>
+              <a:rPr lang="en-US" sz="901" dirty="0"/>
+              <a:t>Initialize</a:t>
+            </a:r>
+          </a:p>
+          <a:p>
+            <a:pPr marL="628833" lvl="1" indent="-171633">
+              <a:buAutoNum type="arabicPeriod"/>
+            </a:pPr>
+            <a:r>
+              <a:rPr lang="en-US" sz="901" dirty="0"/>
+              <a:t>Follow steps in 01 to run but with patch code</a:t>
+            </a:r>
+          </a:p>
+          <a:p>
+            <a:pPr marL="628833" lvl="1" indent="-171633">
+              <a:buAutoNum type="arabicPeriod"/>
+            </a:pPr>
+            <a:r>
+              <a:rPr lang="en-US" sz="901" dirty="0"/>
+              <a:t>Run while logging energy to show that it decreases</a:t>
+            </a:r>
+          </a:p>
+          <a:p>
+            <a:pPr marL="628833" lvl="1" indent="-171633">
+              <a:buAutoNum type="arabicPeriod"/>
+            </a:pPr>
+            <a:r>
+              <a:rPr lang="en-US" sz="901" dirty="0"/>
+              <a:t>Render snapshots</a:t>
+            </a:r>
+          </a:p>
+          <a:p>
+            <a:pPr marL="171633" indent="-171633">
+              <a:buAutoNum type="arabicPeriod"/>
+            </a:pPr>
+            <a:r>
+              <a:rPr lang="en-US" sz="901" dirty="0"/>
+              <a:t>MD patch potential</a:t>
+            </a:r>
+          </a:p>
+          <a:p>
+            <a:pPr marL="628833" lvl="1" indent="-171633">
+              <a:buAutoNum type="arabicPeriod"/>
+            </a:pPr>
+            <a:r>
+              <a:rPr lang="en-US" sz="901" dirty="0"/>
+              <a:t>Use final frame of MC</a:t>
+            </a:r>
+          </a:p>
+        </p:txBody>
+      </p:sp>
+      <p:sp>
+        <p:nvSpPr>
+          <p:cNvPr id="200" name="Rectangle: Rounded Corners 117">
+            <a:extLst>
+              <a:ext uri="{FF2B5EF4-FFF2-40B4-BE49-F238E27FC236}">
+                <a16:creationId xmlns:a16="http://schemas.microsoft.com/office/drawing/2014/main" id="{9D070B41-5832-5242-B1FB-BEC31CEB8BE1}"/>
               </a:ext>
             </a:extLst>
           </p:cNvPr>
@@ -5163,14 +5428,14 @@
         </p:nvSpPr>
         <p:spPr>
           <a:xfrm>
-            <a:off x="9931662" y="2195123"/>
-            <a:ext cx="710249" cy="370843"/>
+            <a:off x="6563149" y="4503615"/>
+            <a:ext cx="959364" cy="370843"/>
           </a:xfrm>
           <a:prstGeom prst="roundRect">
             <a:avLst/>
           </a:prstGeom>
           <a:solidFill>
-            <a:schemeClr val="accent5"/>
+            <a:schemeClr val="accent6"/>
           </a:solidFill>
           <a:ln>
             <a:solidFill>
@@ -5200,35 +5465,37 @@
           <a:p>
             <a:pPr algn="ctr"/>
             <a:r>
-              <a:rPr lang="en-US" sz="901" b="1" dirty="0"/>
-              <a:t>Move size tuners</a:t>
+              <a:rPr lang="en-US" sz="901" dirty="0"/>
+              <a:t>C++ code for patch kernel</a:t>
             </a:r>
           </a:p>
         </p:txBody>
       </p:sp>
       <p:cxnSp>
         <p:nvCxnSpPr>
-          <p:cNvPr id="160" name="Connector: Curved 128">
-            <a:extLst>
-              <a:ext uri="{FF2B5EF4-FFF2-40B4-BE49-F238E27FC236}">
-                <a16:creationId xmlns:a16="http://schemas.microsoft.com/office/drawing/2014/main" id="{565709AE-866F-1C42-ACAE-C1CDA2FF0614}"/>
+          <p:cNvPr id="201" name="Connector: Curved 128">
+            <a:extLst>
+              <a:ext uri="{FF2B5EF4-FFF2-40B4-BE49-F238E27FC236}">
+                <a16:creationId xmlns:a16="http://schemas.microsoft.com/office/drawing/2014/main" id="{8DC911C3-0897-014F-B6FE-9F43C23EE891}"/>
               </a:ext>
             </a:extLst>
           </p:cNvPr>
           <p:cNvCxnSpPr>
             <a:cxnSpLocks/>
-            <a:stCxn id="138" idx="0"/>
-            <a:endCxn id="158" idx="1"/>
+            <a:stCxn id="200" idx="0"/>
+            <a:endCxn id="66" idx="2"/>
           </p:cNvCxnSpPr>
           <p:nvPr/>
         </p:nvCxnSpPr>
         <p:spPr>
           <a:xfrm rot="5400000" flipH="1" flipV="1">
-            <a:off x="9355585" y="2277372"/>
-            <a:ext cx="472904" cy="679250"/>
-          </a:xfrm>
-          <a:prstGeom prst="curvedConnector2">
-            <a:avLst/>
+            <a:off x="7248463" y="3892627"/>
+            <a:ext cx="405356" cy="816620"/>
+          </a:xfrm>
+          <a:prstGeom prst="curvedConnector3">
+            <a:avLst>
+              <a:gd name="adj1" fmla="val 50000"/>
+            </a:avLst>
           </a:prstGeom>
           <a:ln>
             <a:headEnd type="none" w="med" len="med"/>
@@ -5252,10 +5519,10 @@
       </p:cxnSp>
       <p:sp>
         <p:nvSpPr>
-          <p:cNvPr id="161" name="Rectangle: Rounded Corners 65">
-            <a:extLst>
-              <a:ext uri="{FF2B5EF4-FFF2-40B4-BE49-F238E27FC236}">
-                <a16:creationId xmlns:a16="http://schemas.microsoft.com/office/drawing/2014/main" id="{42D00FB0-33CB-BF4E-80DA-D3D7708F1840}"/>
+          <p:cNvPr id="209" name="Rectangle: Rounded Corners 132">
+            <a:extLst>
+              <a:ext uri="{FF2B5EF4-FFF2-40B4-BE49-F238E27FC236}">
+                <a16:creationId xmlns:a16="http://schemas.microsoft.com/office/drawing/2014/main" id="{95008BAD-7370-FE49-9C21-9D5CE6F9FD89}"/>
               </a:ext>
             </a:extLst>
           </p:cNvPr>
@@ -5264,14 +5531,14 @@
         </p:nvSpPr>
         <p:spPr>
           <a:xfrm>
-            <a:off x="9064146" y="4363458"/>
-            <a:ext cx="1395981" cy="336344"/>
+            <a:off x="7166106" y="5327625"/>
+            <a:ext cx="959363" cy="279073"/>
           </a:xfrm>
           <a:prstGeom prst="roundRect">
             <a:avLst/>
           </a:prstGeom>
           <a:solidFill>
-            <a:schemeClr val="accent5"/>
+            <a:schemeClr val="accent1"/>
           </a:solidFill>
           <a:ln>
             <a:solidFill>
@@ -5301,37 +5568,39 @@
           <a:p>
             <a:pPr algn="ctr"/>
             <a:r>
-              <a:rPr lang="en-US" sz="901" b="1" dirty="0" err="1"/>
-              <a:t>hpmc.integrate.Sphere</a:t>
-            </a:r>
-            <a:endParaRPr lang="en-US" sz="901" b="1" dirty="0"/>
+              <a:rPr lang="en-US" sz="900" dirty="0" err="1"/>
+              <a:t>HOOMDMath</a:t>
+            </a:r>
+            <a:endParaRPr lang="en-US" sz="900" dirty="0"/>
           </a:p>
         </p:txBody>
       </p:sp>
       <p:cxnSp>
         <p:nvCxnSpPr>
-          <p:cNvPr id="169" name="Connector: Curved 128">
-            <a:extLst>
-              <a:ext uri="{FF2B5EF4-FFF2-40B4-BE49-F238E27FC236}">
-                <a16:creationId xmlns:a16="http://schemas.microsoft.com/office/drawing/2014/main" id="{E4911600-5AFA-B84C-ACC1-D5F876161F46}"/>
+          <p:cNvPr id="210" name="Connector: Curved 128">
+            <a:extLst>
+              <a:ext uri="{FF2B5EF4-FFF2-40B4-BE49-F238E27FC236}">
+                <a16:creationId xmlns:a16="http://schemas.microsoft.com/office/drawing/2014/main" id="{600641B9-00B0-C94C-ABB9-B3D2704713D7}"/>
               </a:ext>
             </a:extLst>
           </p:cNvPr>
           <p:cNvCxnSpPr>
             <a:cxnSpLocks/>
-            <a:stCxn id="161" idx="0"/>
-            <a:endCxn id="128" idx="2"/>
+            <a:stCxn id="200" idx="3"/>
+            <a:endCxn id="209" idx="1"/>
           </p:cNvCxnSpPr>
           <p:nvPr/>
         </p:nvCxnSpPr>
         <p:spPr>
-          <a:xfrm rot="16200000" flipV="1">
-            <a:off x="8983315" y="3584635"/>
-            <a:ext cx="442744" cy="1114901"/>
-          </a:xfrm>
-          <a:prstGeom prst="curvedConnector3">
+          <a:xfrm flipH="1">
+            <a:off x="7166106" y="4689037"/>
+            <a:ext cx="356407" cy="778125"/>
+          </a:xfrm>
+          <a:prstGeom prst="curvedConnector5">
             <a:avLst>
-              <a:gd name="adj1" fmla="val 50000"/>
+              <a:gd name="adj1" fmla="val -64140"/>
+              <a:gd name="adj2" fmla="val 52948"/>
+              <a:gd name="adj3" fmla="val 164140"/>
             </a:avLst>
           </a:prstGeom>
           <a:ln>
@@ -5356,10 +5625,10 @@
       </p:cxnSp>
       <p:sp>
         <p:nvSpPr>
-          <p:cNvPr id="174" name="Rectangle: Rounded Corners 65">
-            <a:extLst>
-              <a:ext uri="{FF2B5EF4-FFF2-40B4-BE49-F238E27FC236}">
-                <a16:creationId xmlns:a16="http://schemas.microsoft.com/office/drawing/2014/main" id="{973B8C69-01E4-9F40-902F-883CE0C200B7}"/>
+          <p:cNvPr id="214" name="Rectangle: Rounded Corners 133">
+            <a:extLst>
+              <a:ext uri="{FF2B5EF4-FFF2-40B4-BE49-F238E27FC236}">
+                <a16:creationId xmlns:a16="http://schemas.microsoft.com/office/drawing/2014/main" id="{1B523E00-629A-9C47-B110-756BB72645B3}"/>
               </a:ext>
             </a:extLst>
           </p:cNvPr>
@@ -5368,14 +5637,14 @@
         </p:nvSpPr>
         <p:spPr>
           <a:xfrm>
-            <a:off x="4745358" y="3764955"/>
-            <a:ext cx="1395981" cy="336344"/>
+            <a:off x="8656327" y="5169295"/>
+            <a:ext cx="457304" cy="212947"/>
           </a:xfrm>
           <a:prstGeom prst="roundRect">
             <a:avLst/>
           </a:prstGeom>
           <a:solidFill>
-            <a:schemeClr val="accent5"/>
+            <a:schemeClr val="accent3"/>
           </a:solidFill>
           <a:ln>
             <a:solidFill>
@@ -5405,65 +5674,18 @@
           <a:p>
             <a:pPr algn="ctr"/>
             <a:r>
-              <a:rPr lang="en-US" sz="901" b="1" dirty="0" err="1"/>
-              <a:t>hoomd.Snapshot</a:t>
-            </a:r>
-            <a:endParaRPr lang="en-US" sz="901" b="1" dirty="0"/>
-          </a:p>
-        </p:txBody>
-      </p:sp>
-      <p:cxnSp>
-        <p:nvCxnSpPr>
-          <p:cNvPr id="175" name="Connector: Curved 128">
-            <a:extLst>
-              <a:ext uri="{FF2B5EF4-FFF2-40B4-BE49-F238E27FC236}">
-                <a16:creationId xmlns:a16="http://schemas.microsoft.com/office/drawing/2014/main" id="{372E7FB4-692A-4F4D-8729-A39A25808FE7}"/>
-              </a:ext>
-            </a:extLst>
-          </p:cNvPr>
-          <p:cNvCxnSpPr>
-            <a:cxnSpLocks/>
-            <a:stCxn id="174" idx="3"/>
-            <a:endCxn id="120" idx="1"/>
-          </p:cNvCxnSpPr>
-          <p:nvPr/>
-        </p:nvCxnSpPr>
-        <p:spPr>
-          <a:xfrm flipV="1">
-            <a:off x="6141339" y="3447117"/>
-            <a:ext cx="496448" cy="486010"/>
-          </a:xfrm>
-          <a:prstGeom prst="curvedConnector3">
-            <a:avLst>
-              <a:gd name="adj1" fmla="val 50000"/>
-            </a:avLst>
-          </a:prstGeom>
-          <a:ln>
-            <a:headEnd type="none" w="med" len="med"/>
-            <a:tailEnd type="none" w="med" len="med"/>
-          </a:ln>
-        </p:spPr>
-        <p:style>
-          <a:lnRef idx="2">
-            <a:schemeClr val="dk1"/>
-          </a:lnRef>
-          <a:fillRef idx="0">
-            <a:schemeClr val="dk1"/>
-          </a:fillRef>
-          <a:effectRef idx="1">
-            <a:schemeClr val="dk1"/>
-          </a:effectRef>
-          <a:fontRef idx="minor">
-            <a:schemeClr val="tx1"/>
-          </a:fontRef>
-        </p:style>
-      </p:cxnSp>
-      <p:sp>
-        <p:nvSpPr>
-          <p:cNvPr id="182" name="Rectangle: Rounded Corners 133">
-            <a:extLst>
-              <a:ext uri="{FF2B5EF4-FFF2-40B4-BE49-F238E27FC236}">
-                <a16:creationId xmlns:a16="http://schemas.microsoft.com/office/drawing/2014/main" id="{BCCFCE22-1DB4-B947-A174-0BC16BA710A3}"/>
+              <a:rPr lang="en-US" sz="900" dirty="0"/>
+              <a:t>vec3</a:t>
+            </a:r>
+          </a:p>
+        </p:txBody>
+      </p:sp>
+      <p:sp>
+        <p:nvSpPr>
+          <p:cNvPr id="215" name="Rectangle: Rounded Corners 133">
+            <a:extLst>
+              <a:ext uri="{FF2B5EF4-FFF2-40B4-BE49-F238E27FC236}">
+                <a16:creationId xmlns:a16="http://schemas.microsoft.com/office/drawing/2014/main" id="{607CE9AB-15E8-7B4B-B36C-2D7CBD3F8574}"/>
               </a:ext>
             </a:extLst>
           </p:cNvPr>
@@ -5472,8 +5694,8 @@
         </p:nvSpPr>
         <p:spPr>
           <a:xfrm>
-            <a:off x="10633815" y="3557375"/>
-            <a:ext cx="1432791" cy="511000"/>
+            <a:off x="8529559" y="5607090"/>
+            <a:ext cx="457304" cy="212947"/>
           </a:xfrm>
           <a:prstGeom prst="roundRect">
             <a:avLst/>
@@ -5510,78 +5732,31 @@
             <a:pPr algn="ctr"/>
             <a:r>
               <a:rPr lang="en-US" sz="900" dirty="0"/>
-              <a:t>Skip compression because of energetic interactions</a:t>
+              <a:t>quat</a:t>
             </a:r>
           </a:p>
         </p:txBody>
       </p:sp>
       <p:cxnSp>
         <p:nvCxnSpPr>
-          <p:cNvPr id="184" name="Connector: Curved 141">
-            <a:extLst>
-              <a:ext uri="{FF2B5EF4-FFF2-40B4-BE49-F238E27FC236}">
-                <a16:creationId xmlns:a16="http://schemas.microsoft.com/office/drawing/2014/main" id="{76889A8F-7809-E14C-999F-3A14D9E3CFE2}"/>
+          <p:cNvPr id="216" name="Connector: Curved 128">
+            <a:extLst>
+              <a:ext uri="{FF2B5EF4-FFF2-40B4-BE49-F238E27FC236}">
+                <a16:creationId xmlns:a16="http://schemas.microsoft.com/office/drawing/2014/main" id="{A9E5AE11-4978-904D-A1D0-6915141E1089}"/>
               </a:ext>
             </a:extLst>
           </p:cNvPr>
           <p:cNvCxnSpPr>
             <a:cxnSpLocks/>
-            <a:stCxn id="128" idx="3"/>
-            <a:endCxn id="182" idx="1"/>
+            <a:stCxn id="209" idx="3"/>
+            <a:endCxn id="214" idx="1"/>
           </p:cNvCxnSpPr>
           <p:nvPr/>
         </p:nvCxnSpPr>
         <p:spPr>
-          <a:xfrm>
-            <a:off x="9207513" y="3735293"/>
-            <a:ext cx="1426302" cy="77582"/>
-          </a:xfrm>
-          <a:prstGeom prst="curvedConnector3">
-            <a:avLst>
-              <a:gd name="adj1" fmla="val 50000"/>
-            </a:avLst>
-          </a:prstGeom>
-          <a:ln>
-            <a:prstDash val="sysDash"/>
-            <a:headEnd type="none" w="med" len="med"/>
-            <a:tailEnd type="none" w="med" len="med"/>
-          </a:ln>
-        </p:spPr>
-        <p:style>
-          <a:lnRef idx="2">
-            <a:schemeClr val="dk1"/>
-          </a:lnRef>
-          <a:fillRef idx="0">
-            <a:schemeClr val="dk1"/>
-          </a:fillRef>
-          <a:effectRef idx="1">
-            <a:schemeClr val="dk1"/>
-          </a:effectRef>
-          <a:fontRef idx="minor">
-            <a:schemeClr val="tx1"/>
-          </a:fontRef>
-        </p:style>
-      </p:cxnSp>
-      <p:cxnSp>
-        <p:nvCxnSpPr>
-          <p:cNvPr id="187" name="Connector: Curved 128">
-            <a:extLst>
-              <a:ext uri="{FF2B5EF4-FFF2-40B4-BE49-F238E27FC236}">
-                <a16:creationId xmlns:a16="http://schemas.microsoft.com/office/drawing/2014/main" id="{C13ABE1B-7AD2-2549-A17C-80AA81BAAD48}"/>
-              </a:ext>
-            </a:extLst>
-          </p:cNvPr>
-          <p:cNvCxnSpPr>
-            <a:cxnSpLocks/>
-            <a:stCxn id="66" idx="0"/>
-            <a:endCxn id="128" idx="2"/>
-          </p:cNvCxnSpPr>
-          <p:nvPr/>
-        </p:nvCxnSpPr>
-        <p:spPr>
-          <a:xfrm rot="5400000" flipH="1" flipV="1">
-            <a:off x="7964826" y="4017392"/>
-            <a:ext cx="779088" cy="585732"/>
+          <a:xfrm flipV="1">
+            <a:off x="8125469" y="5275769"/>
+            <a:ext cx="530858" cy="191393"/>
           </a:xfrm>
           <a:prstGeom prst="curvedConnector3">
             <a:avLst>
@@ -5608,226 +5783,58 @@
           </a:fontRef>
         </p:style>
       </p:cxnSp>
-      <p:sp>
-        <p:nvSpPr>
-          <p:cNvPr id="195" name="TextBox 194">
-            <a:extLst>
-              <a:ext uri="{FF2B5EF4-FFF2-40B4-BE49-F238E27FC236}">
-                <a16:creationId xmlns:a16="http://schemas.microsoft.com/office/drawing/2014/main" id="{6C4F86EF-C89A-4619-B008-F7B33FAD87C1}"/>
-              </a:ext>
-            </a:extLst>
-          </p:cNvPr>
-          <p:cNvSpPr txBox="1"/>
+      <p:cxnSp>
+        <p:nvCxnSpPr>
+          <p:cNvPr id="219" name="Connector: Curved 128">
+            <a:extLst>
+              <a:ext uri="{FF2B5EF4-FFF2-40B4-BE49-F238E27FC236}">
+                <a16:creationId xmlns:a16="http://schemas.microsoft.com/office/drawing/2014/main" id="{17F5C95A-F5D1-5A4B-8E4F-E6BE9D37E93E}"/>
+              </a:ext>
+            </a:extLst>
+          </p:cNvPr>
+          <p:cNvCxnSpPr>
+            <a:cxnSpLocks/>
+            <a:stCxn id="209" idx="3"/>
+            <a:endCxn id="215" idx="1"/>
+          </p:cNvCxnSpPr>
           <p:nvPr/>
-        </p:nvSpPr>
+        </p:nvCxnSpPr>
         <p:spPr>
           <a:xfrm>
-            <a:off x="125394" y="87141"/>
-            <a:ext cx="3495931" cy="5498813"/>
-          </a:xfrm>
-          <a:prstGeom prst="rect">
-            <a:avLst/>
+            <a:off x="8125469" y="5467162"/>
+            <a:ext cx="404090" cy="246402"/>
+          </a:xfrm>
+          <a:prstGeom prst="curvedConnector3">
+            <a:avLst>
+              <a:gd name="adj1" fmla="val 50000"/>
+            </a:avLst>
           </a:prstGeom>
-          <a:noFill/>
-        </p:spPr>
-        <p:txBody>
-          <a:bodyPr wrap="square" rtlCol="0">
-            <a:spAutoFit/>
-          </a:bodyPr>
-          <a:lstStyle/>
-          <a:p>
-            <a:r>
-              <a:rPr lang="en-US" sz="901" b="1" dirty="0"/>
-              <a:t>Outline</a:t>
-            </a:r>
-          </a:p>
-          <a:p>
-            <a:pPr marL="171633" indent="-171633">
-              <a:buAutoNum type="arabicPeriod"/>
-            </a:pPr>
-            <a:r>
-              <a:rPr lang="en-US" sz="901" dirty="0"/>
-              <a:t>Overview and learning objectives</a:t>
-            </a:r>
-          </a:p>
-          <a:p>
-            <a:pPr marL="628833" lvl="1" indent="-171633">
-              <a:buAutoNum type="arabicPeriod"/>
-            </a:pPr>
-            <a:r>
-              <a:rPr lang="en-US" sz="901" dirty="0"/>
-              <a:t>Main goal: demonstrate how to use the user-defined, JIT-compiled pair interactions within HPMC</a:t>
-            </a:r>
-          </a:p>
-          <a:p>
-            <a:pPr marL="628833" lvl="1" indent="-171633">
-              <a:buAutoNum type="arabicPeriod"/>
-            </a:pPr>
-            <a:r>
-              <a:rPr lang="en-US" sz="901" dirty="0"/>
-              <a:t>After completing this tutorial, the user should be able to:</a:t>
-            </a:r>
-          </a:p>
-          <a:p>
-            <a:pPr marL="1086033" lvl="2" indent="-171633">
-              <a:buAutoNum type="arabicPeriod"/>
-            </a:pPr>
-            <a:r>
-              <a:rPr lang="en-US" sz="901" dirty="0"/>
-              <a:t>Explain what patchy particles are, why they’re important, and how the Kern–Frenkel model captures patchiness</a:t>
-            </a:r>
-          </a:p>
-          <a:p>
-            <a:pPr marL="1086033" lvl="2" indent="-171633">
-              <a:buAutoNum type="arabicPeriod"/>
-            </a:pPr>
-            <a:r>
-              <a:rPr lang="en-US" sz="901" dirty="0"/>
-              <a:t>Set up and run a simulation of Kern–Frenkel particles, including write the JIT code necessary to implement the model</a:t>
-            </a:r>
-          </a:p>
-          <a:p>
-            <a:pPr marL="1086033" lvl="2" indent="-171633">
-              <a:buAutoNum type="arabicPeriod"/>
-            </a:pPr>
-            <a:r>
-              <a:rPr lang="en-US" sz="901" dirty="0"/>
-              <a:t>Implement any (sufficiently simple) pair potential within an HPMC simulation, including </a:t>
-            </a:r>
-          </a:p>
-          <a:p>
-            <a:pPr marL="628833" lvl="1" indent="-171633">
-              <a:buAutoNum type="arabicPeriod"/>
-            </a:pPr>
-            <a:r>
-              <a:rPr lang="en-US" sz="901" dirty="0"/>
-              <a:t>This tutorial assumes the user has completed the previous tutorials and is familiar with the following concepts:</a:t>
-            </a:r>
-          </a:p>
-          <a:p>
-            <a:pPr marL="1086033" lvl="2" indent="-171633">
-              <a:buAutoNum type="arabicPeriod"/>
-            </a:pPr>
-            <a:r>
-              <a:rPr lang="en-US" sz="901" dirty="0"/>
-              <a:t>HOOMD snapshots to initialize a system</a:t>
-            </a:r>
-          </a:p>
-          <a:p>
-            <a:pPr marL="1086033" lvl="2" indent="-171633">
-              <a:buAutoNum type="arabicPeriod"/>
-            </a:pPr>
-            <a:r>
-              <a:rPr lang="en-US" sz="901" dirty="0"/>
-              <a:t>HPMC simulations and relevant statistical mechanical concepts (microstates, energy, entropy…)</a:t>
-            </a:r>
-          </a:p>
-          <a:p>
-            <a:pPr marL="1086033" lvl="2" indent="-171633">
-              <a:buAutoNum type="arabicPeriod"/>
-            </a:pPr>
-            <a:r>
-              <a:rPr lang="en-US" sz="901" dirty="0"/>
-              <a:t>MC moves, acceptance rates, and tuners</a:t>
-            </a:r>
-          </a:p>
-          <a:p>
-            <a:pPr marL="171633" indent="-171633">
-              <a:buAutoNum type="arabicPeriod"/>
-            </a:pPr>
-            <a:r>
-              <a:rPr lang="en-US" sz="901" dirty="0"/>
-              <a:t>Patchy particles and Kern–Frenkel model</a:t>
-            </a:r>
-          </a:p>
-          <a:p>
-            <a:pPr marL="171633" indent="-171633">
-              <a:buAutoNum type="arabicPeriod"/>
-            </a:pPr>
-            <a:r>
-              <a:rPr lang="en-US" sz="901"/>
-              <a:t>CPPPotential</a:t>
-            </a:r>
-            <a:r>
-              <a:rPr lang="en-US" sz="901" dirty="0"/>
-              <a:t> object for user-defined pair interactions + JIT code to implement KF model</a:t>
-            </a:r>
-          </a:p>
-          <a:p>
-            <a:pPr marL="628833" lvl="1" indent="-171633">
-              <a:buAutoNum type="arabicPeriod"/>
-            </a:pPr>
-            <a:r>
-              <a:rPr lang="en-US" sz="901" dirty="0"/>
-              <a:t>Define patch directors in local frame of reference</a:t>
-            </a:r>
-          </a:p>
-          <a:p>
-            <a:pPr marL="628833" lvl="1" indent="-171633">
-              <a:buAutoNum type="arabicPeriod"/>
-            </a:pPr>
-            <a:r>
-              <a:rPr lang="en-US" sz="901" dirty="0"/>
-              <a:t>Orientation quaternion rotates from local frame into global frame</a:t>
-            </a:r>
-          </a:p>
-          <a:p>
-            <a:pPr marL="628833" lvl="1" indent="-171633">
-              <a:buAutoNum type="arabicPeriod"/>
-            </a:pPr>
-            <a:r>
-              <a:rPr lang="en-US" sz="901" dirty="0" err="1"/>
-              <a:t>HOOMDMath</a:t>
-            </a:r>
-            <a:r>
-              <a:rPr lang="en-US" sz="901" dirty="0"/>
-              <a:t> library, vectors, quaternions, dot products, vector rotation</a:t>
-            </a:r>
-          </a:p>
-          <a:p>
-            <a:pPr marL="171633" indent="-171633">
-              <a:buAutoNum type="arabicPeriod"/>
-            </a:pPr>
-            <a:r>
-              <a:rPr lang="en-US" sz="901" dirty="0"/>
-              <a:t>Initialize system on square lattice at low density, add patches, and run</a:t>
-            </a:r>
-          </a:p>
-          <a:p>
-            <a:pPr marL="628833" lvl="1" indent="-171633">
-              <a:buAutoNum type="arabicPeriod"/>
-            </a:pPr>
-            <a:r>
-              <a:rPr lang="en-US" sz="901" dirty="0"/>
-              <a:t>In 01-Introducing-HOOMD-Blue, the system was compressed because crowding is necessary for hard particles to self-assemble</a:t>
-            </a:r>
-          </a:p>
-          <a:p>
-            <a:pPr marL="628833" lvl="1" indent="-171633">
-              <a:buAutoNum type="arabicPeriod"/>
-            </a:pPr>
-            <a:r>
-              <a:rPr lang="en-US" sz="901" dirty="0"/>
-              <a:t>Here, energetic interactions tend to dominate the free energy, so we can still observe self-assembly at low density</a:t>
-            </a:r>
-          </a:p>
-          <a:p>
-            <a:pPr marL="628833" lvl="1" indent="-171633">
-              <a:buAutoNum type="arabicPeriod"/>
-            </a:pPr>
-            <a:r>
-              <a:rPr lang="en-US" sz="901" dirty="0"/>
-              <a:t>We therefore skip the compression step</a:t>
-            </a:r>
-          </a:p>
-        </p:txBody>
-      </p:sp>
-      <p:sp>
-        <p:nvSpPr>
-          <p:cNvPr id="200" name="Rectangle: Rounded Corners 117">
-            <a:extLst>
-              <a:ext uri="{FF2B5EF4-FFF2-40B4-BE49-F238E27FC236}">
-                <a16:creationId xmlns:a16="http://schemas.microsoft.com/office/drawing/2014/main" id="{9D070B41-5832-5242-B1FB-BEC31CEB8BE1}"/>
+          <a:ln>
+            <a:headEnd type="none" w="med" len="med"/>
+            <a:tailEnd type="none" w="med" len="med"/>
+          </a:ln>
+        </p:spPr>
+        <p:style>
+          <a:lnRef idx="2">
+            <a:schemeClr val="dk1"/>
+          </a:lnRef>
+          <a:fillRef idx="0">
+            <a:schemeClr val="dk1"/>
+          </a:fillRef>
+          <a:effectRef idx="1">
+            <a:schemeClr val="dk1"/>
+          </a:effectRef>
+          <a:fontRef idx="minor">
+            <a:schemeClr val="tx1"/>
+          </a:fontRef>
+        </p:style>
+      </p:cxnSp>
+      <p:sp>
+        <p:nvSpPr>
+          <p:cNvPr id="222" name="Rectangle: Rounded Corners 133">
+            <a:extLst>
+              <a:ext uri="{FF2B5EF4-FFF2-40B4-BE49-F238E27FC236}">
+                <a16:creationId xmlns:a16="http://schemas.microsoft.com/office/drawing/2014/main" id="{1A3A2C6C-4C13-D848-AD97-77012A2ED77D}"/>
               </a:ext>
             </a:extLst>
           </p:cNvPr>
@@ -5836,14 +5843,14 @@
         </p:nvSpPr>
         <p:spPr>
           <a:xfrm>
-            <a:off x="6765202" y="5476001"/>
-            <a:ext cx="959364" cy="370843"/>
+            <a:off x="8116756" y="5977541"/>
+            <a:ext cx="457304" cy="212947"/>
           </a:xfrm>
           <a:prstGeom prst="roundRect">
             <a:avLst/>
           </a:prstGeom>
           <a:solidFill>
-            <a:schemeClr val="accent6"/>
+            <a:schemeClr val="accent3"/>
           </a:solidFill>
           <a:ln>
             <a:solidFill>
@@ -5873,32 +5880,76 @@
           <a:p>
             <a:pPr algn="ctr"/>
             <a:r>
-              <a:rPr lang="en-US" sz="901" dirty="0"/>
-              <a:t>C++ code for patch kernel</a:t>
+              <a:rPr lang="en-US" sz="900" dirty="0"/>
+              <a:t>dot</a:t>
             </a:r>
           </a:p>
         </p:txBody>
       </p:sp>
       <p:cxnSp>
         <p:nvCxnSpPr>
-          <p:cNvPr id="201" name="Connector: Curved 128">
-            <a:extLst>
-              <a:ext uri="{FF2B5EF4-FFF2-40B4-BE49-F238E27FC236}">
-                <a16:creationId xmlns:a16="http://schemas.microsoft.com/office/drawing/2014/main" id="{8DC911C3-0897-014F-B6FE-9F43C23EE891}"/>
+          <p:cNvPr id="223" name="Connector: Curved 128">
+            <a:extLst>
+              <a:ext uri="{FF2B5EF4-FFF2-40B4-BE49-F238E27FC236}">
+                <a16:creationId xmlns:a16="http://schemas.microsoft.com/office/drawing/2014/main" id="{C5C81C14-E71B-1B43-9737-3FC3DAF0565D}"/>
               </a:ext>
             </a:extLst>
           </p:cNvPr>
           <p:cNvCxnSpPr>
             <a:cxnSpLocks/>
-            <a:stCxn id="200" idx="0"/>
-            <a:endCxn id="66" idx="2"/>
+            <a:stCxn id="209" idx="2"/>
+            <a:endCxn id="222" idx="1"/>
           </p:cNvCxnSpPr>
           <p:nvPr/>
         </p:nvCxnSpPr>
         <p:spPr>
-          <a:xfrm rot="5400000" flipH="1" flipV="1">
-            <a:off x="7450516" y="4865013"/>
-            <a:ext cx="405356" cy="816620"/>
+          <a:xfrm rot="16200000" flipH="1">
+            <a:off x="7642614" y="5609872"/>
+            <a:ext cx="477317" cy="470968"/>
+          </a:xfrm>
+          <a:prstGeom prst="curvedConnector2">
+            <a:avLst/>
+          </a:prstGeom>
+          <a:ln>
+            <a:headEnd type="none" w="med" len="med"/>
+            <a:tailEnd type="none" w="med" len="med"/>
+          </a:ln>
+        </p:spPr>
+        <p:style>
+          <a:lnRef idx="2">
+            <a:schemeClr val="dk1"/>
+          </a:lnRef>
+          <a:fillRef idx="0">
+            <a:schemeClr val="dk1"/>
+          </a:fillRef>
+          <a:effectRef idx="1">
+            <a:schemeClr val="dk1"/>
+          </a:effectRef>
+          <a:fontRef idx="minor">
+            <a:schemeClr val="tx1"/>
+          </a:fontRef>
+        </p:style>
+      </p:cxnSp>
+      <p:cxnSp>
+        <p:nvCxnSpPr>
+          <p:cNvPr id="233" name="Connector: Curved 141">
+            <a:extLst>
+              <a:ext uri="{FF2B5EF4-FFF2-40B4-BE49-F238E27FC236}">
+                <a16:creationId xmlns:a16="http://schemas.microsoft.com/office/drawing/2014/main" id="{66F5A324-490C-8D41-91D6-916C3E724D9A}"/>
+              </a:ext>
+            </a:extLst>
+          </p:cNvPr>
+          <p:cNvCxnSpPr>
+            <a:cxnSpLocks/>
+            <a:stCxn id="66" idx="3"/>
+            <a:endCxn id="161" idx="1"/>
+          </p:cNvCxnSpPr>
+          <p:nvPr/>
+        </p:nvCxnSpPr>
+        <p:spPr>
+          <a:xfrm flipV="1">
+            <a:off x="8676071" y="3559244"/>
+            <a:ext cx="186022" cy="353594"/>
           </a:xfrm>
           <a:prstGeom prst="curvedConnector3">
             <a:avLst>
@@ -5906,6 +5957,7 @@
             </a:avLst>
           </a:prstGeom>
           <a:ln>
+            <a:prstDash val="sysDash"/>
             <a:headEnd type="none" w="med" len="med"/>
             <a:tailEnd type="none" w="med" len="med"/>
           </a:ln>
@@ -5927,10 +5979,10 @@
       </p:cxnSp>
       <p:sp>
         <p:nvSpPr>
-          <p:cNvPr id="209" name="Rectangle: Rounded Corners 132">
-            <a:extLst>
-              <a:ext uri="{FF2B5EF4-FFF2-40B4-BE49-F238E27FC236}">
-                <a16:creationId xmlns:a16="http://schemas.microsoft.com/office/drawing/2014/main" id="{95008BAD-7370-FE49-9C21-9D5CE6F9FD89}"/>
+          <p:cNvPr id="236" name="Rectangle: Rounded Corners 133">
+            <a:extLst>
+              <a:ext uri="{FF2B5EF4-FFF2-40B4-BE49-F238E27FC236}">
+                <a16:creationId xmlns:a16="http://schemas.microsoft.com/office/drawing/2014/main" id="{DB63F69C-4358-164F-9B6B-FD1130DCBCE5}"/>
               </a:ext>
             </a:extLst>
           </p:cNvPr>
@@ -5939,14 +5991,14 @@
         </p:nvSpPr>
         <p:spPr>
           <a:xfrm>
-            <a:off x="8099907" y="5750412"/>
-            <a:ext cx="959363" cy="279073"/>
+            <a:off x="7221697" y="6162963"/>
+            <a:ext cx="610206" cy="212947"/>
           </a:xfrm>
           <a:prstGeom prst="roundRect">
             <a:avLst/>
           </a:prstGeom>
           <a:solidFill>
-            <a:schemeClr val="accent1"/>
+            <a:schemeClr val="accent3"/>
           </a:solidFill>
           <a:ln>
             <a:solidFill>
@@ -5976,33 +6028,32 @@
           <a:p>
             <a:pPr algn="ctr"/>
             <a:r>
-              <a:rPr lang="en-US" sz="900" dirty="0" err="1"/>
-              <a:t>HOOMDMath</a:t>
-            </a:r>
-            <a:endParaRPr lang="en-US" sz="900" dirty="0"/>
+              <a:rPr lang="en-US" sz="900" dirty="0"/>
+              <a:t>rotate</a:t>
+            </a:r>
           </a:p>
         </p:txBody>
       </p:sp>
       <p:cxnSp>
         <p:nvCxnSpPr>
-          <p:cNvPr id="210" name="Connector: Curved 128">
-            <a:extLst>
-              <a:ext uri="{FF2B5EF4-FFF2-40B4-BE49-F238E27FC236}">
-                <a16:creationId xmlns:a16="http://schemas.microsoft.com/office/drawing/2014/main" id="{600641B9-00B0-C94C-ABB9-B3D2704713D7}"/>
+          <p:cNvPr id="237" name="Connector: Curved 128">
+            <a:extLst>
+              <a:ext uri="{FF2B5EF4-FFF2-40B4-BE49-F238E27FC236}">
+                <a16:creationId xmlns:a16="http://schemas.microsoft.com/office/drawing/2014/main" id="{702362EA-E4E4-9B47-BF19-F50E16A4FC15}"/>
               </a:ext>
             </a:extLst>
           </p:cNvPr>
           <p:cNvCxnSpPr>
             <a:cxnSpLocks/>
-            <a:stCxn id="200" idx="3"/>
-            <a:endCxn id="209" idx="1"/>
+            <a:stCxn id="209" idx="2"/>
+            <a:endCxn id="236" idx="0"/>
           </p:cNvCxnSpPr>
           <p:nvPr/>
         </p:nvCxnSpPr>
         <p:spPr>
-          <a:xfrm>
-            <a:off x="7724566" y="5661423"/>
-            <a:ext cx="375341" cy="228526"/>
+          <a:xfrm rot="5400000">
+            <a:off x="7308162" y="5825336"/>
+            <a:ext cx="556265" cy="118988"/>
           </a:xfrm>
           <a:prstGeom prst="curvedConnector3">
             <a:avLst>
@@ -6031,10 +6082,10 @@
       </p:cxnSp>
       <p:sp>
         <p:nvSpPr>
-          <p:cNvPr id="214" name="Rectangle: Rounded Corners 133">
-            <a:extLst>
-              <a:ext uri="{FF2B5EF4-FFF2-40B4-BE49-F238E27FC236}">
-                <a16:creationId xmlns:a16="http://schemas.microsoft.com/office/drawing/2014/main" id="{1B523E00-629A-9C47-B110-756BB72645B3}"/>
+          <p:cNvPr id="6" name="Rectangle: Rounded Corners 65">
+            <a:extLst>
+              <a:ext uri="{FF2B5EF4-FFF2-40B4-BE49-F238E27FC236}">
+                <a16:creationId xmlns:a16="http://schemas.microsoft.com/office/drawing/2014/main" id="{035C4D92-0AB3-FD95-889C-86DB385B1376}"/>
               </a:ext>
             </a:extLst>
           </p:cNvPr>
@@ -6043,14 +6094,14 @@
         </p:nvSpPr>
         <p:spPr>
           <a:xfrm>
-            <a:off x="9590128" y="5592082"/>
-            <a:ext cx="457304" cy="212947"/>
+            <a:off x="10258074" y="3868153"/>
+            <a:ext cx="1395982" cy="484495"/>
           </a:xfrm>
           <a:prstGeom prst="roundRect">
             <a:avLst/>
           </a:prstGeom>
           <a:solidFill>
-            <a:schemeClr val="accent3"/>
+            <a:schemeClr val="accent5"/>
           </a:solidFill>
           <a:ln>
             <a:solidFill>
@@ -6080,18 +6131,112 @@
           <a:p>
             <a:pPr algn="ctr"/>
             <a:r>
-              <a:rPr lang="en-US" sz="900" dirty="0"/>
-              <a:t>vec3</a:t>
-            </a:r>
-          </a:p>
-        </p:txBody>
-      </p:sp>
-      <p:sp>
-        <p:nvSpPr>
-          <p:cNvPr id="215" name="Rectangle: Rounded Corners 133">
-            <a:extLst>
-              <a:ext uri="{FF2B5EF4-FFF2-40B4-BE49-F238E27FC236}">
-                <a16:creationId xmlns:a16="http://schemas.microsoft.com/office/drawing/2014/main" id="{607CE9AB-15E8-7B4B-B36C-2D7CBD3F8574}"/>
+              <a:rPr lang="en-US" sz="901" b="1" dirty="0"/>
+              <a:t>orientable key in shape </a:t>
+            </a:r>
+            <a:r>
+              <a:rPr lang="en-US" sz="901" b="1" dirty="0" err="1"/>
+              <a:t>dict</a:t>
+            </a:r>
+            <a:endParaRPr lang="en-US" sz="901" b="1" dirty="0"/>
+          </a:p>
+        </p:txBody>
+      </p:sp>
+      <p:cxnSp>
+        <p:nvCxnSpPr>
+          <p:cNvPr id="7" name="Connector: Curved 128">
+            <a:extLst>
+              <a:ext uri="{FF2B5EF4-FFF2-40B4-BE49-F238E27FC236}">
+                <a16:creationId xmlns:a16="http://schemas.microsoft.com/office/drawing/2014/main" id="{AA68ED29-B402-5BCA-8C98-F4709CAE7A9E}"/>
+              </a:ext>
+            </a:extLst>
+          </p:cNvPr>
+          <p:cNvCxnSpPr>
+            <a:cxnSpLocks/>
+            <a:stCxn id="6" idx="0"/>
+            <a:endCxn id="161" idx="3"/>
+          </p:cNvCxnSpPr>
+          <p:nvPr/>
+        </p:nvCxnSpPr>
+        <p:spPr>
+          <a:xfrm rot="16200000" flipV="1">
+            <a:off x="10452616" y="3364703"/>
+            <a:ext cx="308909" cy="697991"/>
+          </a:xfrm>
+          <a:prstGeom prst="curvedConnector2">
+            <a:avLst/>
+          </a:prstGeom>
+          <a:ln>
+            <a:headEnd type="none" w="med" len="med"/>
+            <a:tailEnd type="none" w="med" len="med"/>
+          </a:ln>
+        </p:spPr>
+        <p:style>
+          <a:lnRef idx="2">
+            <a:schemeClr val="dk1"/>
+          </a:lnRef>
+          <a:fillRef idx="0">
+            <a:schemeClr val="dk1"/>
+          </a:fillRef>
+          <a:effectRef idx="1">
+            <a:schemeClr val="dk1"/>
+          </a:effectRef>
+          <a:fontRef idx="minor">
+            <a:schemeClr val="tx1"/>
+          </a:fontRef>
+        </p:style>
+      </p:cxnSp>
+      <p:cxnSp>
+        <p:nvCxnSpPr>
+          <p:cNvPr id="10" name="Connector: Curved 141">
+            <a:extLst>
+              <a:ext uri="{FF2B5EF4-FFF2-40B4-BE49-F238E27FC236}">
+                <a16:creationId xmlns:a16="http://schemas.microsoft.com/office/drawing/2014/main" id="{91CAF6B8-110B-4619-3028-564897D77BE0}"/>
+              </a:ext>
+            </a:extLst>
+          </p:cNvPr>
+          <p:cNvCxnSpPr>
+            <a:cxnSpLocks/>
+            <a:stCxn id="118" idx="2"/>
+            <a:endCxn id="200" idx="1"/>
+          </p:cNvCxnSpPr>
+          <p:nvPr/>
+        </p:nvCxnSpPr>
+        <p:spPr>
+          <a:xfrm rot="16200000" flipH="1">
+            <a:off x="4985492" y="3111379"/>
+            <a:ext cx="776199" cy="2379115"/>
+          </a:xfrm>
+          <a:prstGeom prst="curvedConnector2">
+            <a:avLst/>
+          </a:prstGeom>
+          <a:ln>
+            <a:prstDash val="sysDash"/>
+            <a:headEnd type="none" w="med" len="med"/>
+            <a:tailEnd type="none" w="med" len="med"/>
+          </a:ln>
+        </p:spPr>
+        <p:style>
+          <a:lnRef idx="2">
+            <a:schemeClr val="dk1"/>
+          </a:lnRef>
+          <a:fillRef idx="0">
+            <a:schemeClr val="dk1"/>
+          </a:fillRef>
+          <a:effectRef idx="1">
+            <a:schemeClr val="dk1"/>
+          </a:effectRef>
+          <a:fontRef idx="minor">
+            <a:schemeClr val="tx1"/>
+          </a:fontRef>
+        </p:style>
+      </p:cxnSp>
+      <p:sp>
+        <p:nvSpPr>
+          <p:cNvPr id="14" name="Rectangle: Rounded Corners 117">
+            <a:extLst>
+              <a:ext uri="{FF2B5EF4-FFF2-40B4-BE49-F238E27FC236}">
+                <a16:creationId xmlns:a16="http://schemas.microsoft.com/office/drawing/2014/main" id="{2E40E2E8-4905-1466-8F68-46222D137F7E}"/>
               </a:ext>
             </a:extLst>
           </p:cNvPr>
@@ -6100,14 +6245,14 @@
         </p:nvSpPr>
         <p:spPr>
           <a:xfrm>
-            <a:off x="9463360" y="6029877"/>
-            <a:ext cx="457304" cy="212947"/>
+            <a:off x="9113631" y="4488335"/>
+            <a:ext cx="959364" cy="370843"/>
           </a:xfrm>
           <a:prstGeom prst="roundRect">
             <a:avLst/>
           </a:prstGeom>
           <a:solidFill>
-            <a:schemeClr val="accent3"/>
+            <a:schemeClr val="accent6"/>
           </a:solidFill>
           <a:ln>
             <a:solidFill>
@@ -6137,37 +6282,36 @@
           <a:p>
             <a:pPr algn="ctr"/>
             <a:r>
-              <a:rPr lang="en-US" sz="900" dirty="0"/>
-              <a:t>quat</a:t>
-            </a:r>
+              <a:rPr lang="en-US" sz="901" dirty="0" err="1"/>
+              <a:t>r_cut</a:t>
+            </a:r>
+            <a:endParaRPr lang="en-US" sz="901" dirty="0"/>
           </a:p>
         </p:txBody>
       </p:sp>
       <p:cxnSp>
         <p:nvCxnSpPr>
-          <p:cNvPr id="216" name="Connector: Curved 128">
-            <a:extLst>
-              <a:ext uri="{FF2B5EF4-FFF2-40B4-BE49-F238E27FC236}">
-                <a16:creationId xmlns:a16="http://schemas.microsoft.com/office/drawing/2014/main" id="{A9E5AE11-4978-904D-A1D0-6915141E1089}"/>
+          <p:cNvPr id="15" name="Connector: Curved 128">
+            <a:extLst>
+              <a:ext uri="{FF2B5EF4-FFF2-40B4-BE49-F238E27FC236}">
+                <a16:creationId xmlns:a16="http://schemas.microsoft.com/office/drawing/2014/main" id="{45F46495-CAB8-8809-0B79-B19DED44762E}"/>
               </a:ext>
             </a:extLst>
           </p:cNvPr>
           <p:cNvCxnSpPr>
             <a:cxnSpLocks/>
-            <a:stCxn id="209" idx="3"/>
-            <a:endCxn id="214" idx="1"/>
+            <a:stCxn id="14" idx="0"/>
+            <a:endCxn id="66" idx="3"/>
           </p:cNvCxnSpPr>
           <p:nvPr/>
         </p:nvCxnSpPr>
         <p:spPr>
-          <a:xfrm flipV="1">
-            <a:off x="9059270" y="5698556"/>
-            <a:ext cx="530858" cy="191393"/>
-          </a:xfrm>
-          <a:prstGeom prst="curvedConnector3">
-            <a:avLst>
-              <a:gd name="adj1" fmla="val 50000"/>
-            </a:avLst>
+          <a:xfrm rot="16200000" flipV="1">
+            <a:off x="8846944" y="3741966"/>
+            <a:ext cx="575497" cy="917242"/>
+          </a:xfrm>
+          <a:prstGeom prst="curvedConnector2">
+            <a:avLst/>
           </a:prstGeom>
           <a:ln>
             <a:headEnd type="none" w="med" len="med"/>
@@ -6189,58 +6333,12 @@
           </a:fontRef>
         </p:style>
       </p:cxnSp>
-      <p:cxnSp>
-        <p:nvCxnSpPr>
-          <p:cNvPr id="219" name="Connector: Curved 128">
-            <a:extLst>
-              <a:ext uri="{FF2B5EF4-FFF2-40B4-BE49-F238E27FC236}">
-                <a16:creationId xmlns:a16="http://schemas.microsoft.com/office/drawing/2014/main" id="{17F5C95A-F5D1-5A4B-8E4F-E6BE9D37E93E}"/>
-              </a:ext>
-            </a:extLst>
-          </p:cNvPr>
-          <p:cNvCxnSpPr>
-            <a:cxnSpLocks/>
-            <a:stCxn id="209" idx="3"/>
-            <a:endCxn id="215" idx="1"/>
-          </p:cNvCxnSpPr>
-          <p:nvPr/>
-        </p:nvCxnSpPr>
-        <p:spPr>
-          <a:xfrm>
-            <a:off x="9059270" y="5889949"/>
-            <a:ext cx="404090" cy="246402"/>
-          </a:xfrm>
-          <a:prstGeom prst="curvedConnector3">
-            <a:avLst>
-              <a:gd name="adj1" fmla="val 50000"/>
-            </a:avLst>
-          </a:prstGeom>
-          <a:ln>
-            <a:headEnd type="none" w="med" len="med"/>
-            <a:tailEnd type="none" w="med" len="med"/>
-          </a:ln>
-        </p:spPr>
-        <p:style>
-          <a:lnRef idx="2">
-            <a:schemeClr val="dk1"/>
-          </a:lnRef>
-          <a:fillRef idx="0">
-            <a:schemeClr val="dk1"/>
-          </a:fillRef>
-          <a:effectRef idx="1">
-            <a:schemeClr val="dk1"/>
-          </a:effectRef>
-          <a:fontRef idx="minor">
-            <a:schemeClr val="tx1"/>
-          </a:fontRef>
-        </p:style>
-      </p:cxnSp>
-      <p:sp>
-        <p:nvSpPr>
-          <p:cNvPr id="222" name="Rectangle: Rounded Corners 133">
-            <a:extLst>
-              <a:ext uri="{FF2B5EF4-FFF2-40B4-BE49-F238E27FC236}">
-                <a16:creationId xmlns:a16="http://schemas.microsoft.com/office/drawing/2014/main" id="{1A3A2C6C-4C13-D848-AD97-77012A2ED77D}"/>
+      <p:sp>
+        <p:nvSpPr>
+          <p:cNvPr id="18" name="Rectangle: Rounded Corners 133">
+            <a:extLst>
+              <a:ext uri="{FF2B5EF4-FFF2-40B4-BE49-F238E27FC236}">
+                <a16:creationId xmlns:a16="http://schemas.microsoft.com/office/drawing/2014/main" id="{F79B9C07-A0C6-C4B0-5232-CE0935393333}"/>
               </a:ext>
             </a:extLst>
           </p:cNvPr>
@@ -6249,8 +6347,8 @@
         </p:nvSpPr>
         <p:spPr>
           <a:xfrm>
-            <a:off x="9050557" y="6400328"/>
-            <a:ext cx="457304" cy="212947"/>
+            <a:off x="9864776" y="5010312"/>
+            <a:ext cx="823840" cy="370843"/>
           </a:xfrm>
           <a:prstGeom prst="roundRect">
             <a:avLst/>
@@ -6286,32 +6384,32 @@
           <a:p>
             <a:pPr algn="ctr"/>
             <a:r>
-              <a:rPr lang="en-US" sz="900" dirty="0"/>
-              <a:t>dot</a:t>
+              <a:rPr lang="en-US" sz="751" dirty="0"/>
+              <a:t>differences b/t MD cutoffs</a:t>
             </a:r>
           </a:p>
         </p:txBody>
       </p:sp>
       <p:cxnSp>
         <p:nvCxnSpPr>
-          <p:cNvPr id="223" name="Connector: Curved 128">
-            <a:extLst>
-              <a:ext uri="{FF2B5EF4-FFF2-40B4-BE49-F238E27FC236}">
-                <a16:creationId xmlns:a16="http://schemas.microsoft.com/office/drawing/2014/main" id="{C5C81C14-E71B-1B43-9737-3FC3DAF0565D}"/>
+          <p:cNvPr id="19" name="Connector: Curved 128">
+            <a:extLst>
+              <a:ext uri="{FF2B5EF4-FFF2-40B4-BE49-F238E27FC236}">
+                <a16:creationId xmlns:a16="http://schemas.microsoft.com/office/drawing/2014/main" id="{651FB9F9-5577-84FC-60EC-104C9B26C973}"/>
               </a:ext>
             </a:extLst>
           </p:cNvPr>
           <p:cNvCxnSpPr>
             <a:cxnSpLocks/>
-            <a:stCxn id="209" idx="2"/>
-            <a:endCxn id="222" idx="1"/>
+            <a:stCxn id="18" idx="0"/>
+            <a:endCxn id="14" idx="3"/>
           </p:cNvCxnSpPr>
           <p:nvPr/>
         </p:nvCxnSpPr>
         <p:spPr>
-          <a:xfrm rot="16200000" flipH="1">
-            <a:off x="8576415" y="6032659"/>
-            <a:ext cx="477317" cy="470968"/>
+          <a:xfrm rot="16200000" flipV="1">
+            <a:off x="10006569" y="4740184"/>
+            <a:ext cx="336555" cy="203701"/>
           </a:xfrm>
           <a:prstGeom prst="curvedConnector2">
             <a:avLst/>
@@ -6336,59 +6434,12 @@
           </a:fontRef>
         </p:style>
       </p:cxnSp>
-      <p:cxnSp>
-        <p:nvCxnSpPr>
-          <p:cNvPr id="233" name="Connector: Curved 141">
-            <a:extLst>
-              <a:ext uri="{FF2B5EF4-FFF2-40B4-BE49-F238E27FC236}">
-                <a16:creationId xmlns:a16="http://schemas.microsoft.com/office/drawing/2014/main" id="{66F5A324-490C-8D41-91D6-916C3E724D9A}"/>
-              </a:ext>
-            </a:extLst>
-          </p:cNvPr>
-          <p:cNvCxnSpPr>
-            <a:cxnSpLocks/>
-            <a:stCxn id="66" idx="3"/>
-            <a:endCxn id="161" idx="1"/>
-          </p:cNvCxnSpPr>
-          <p:nvPr/>
-        </p:nvCxnSpPr>
-        <p:spPr>
-          <a:xfrm flipV="1">
-            <a:off x="8878124" y="4531630"/>
-            <a:ext cx="186022" cy="353594"/>
-          </a:xfrm>
-          <a:prstGeom prst="curvedConnector3">
-            <a:avLst>
-              <a:gd name="adj1" fmla="val 50000"/>
-            </a:avLst>
-          </a:prstGeom>
-          <a:ln>
-            <a:prstDash val="sysDash"/>
-            <a:headEnd type="none" w="med" len="med"/>
-            <a:tailEnd type="none" w="med" len="med"/>
-          </a:ln>
-        </p:spPr>
-        <p:style>
-          <a:lnRef idx="2">
-            <a:schemeClr val="dk1"/>
-          </a:lnRef>
-          <a:fillRef idx="0">
-            <a:schemeClr val="dk1"/>
-          </a:fillRef>
-          <a:effectRef idx="1">
-            <a:schemeClr val="dk1"/>
-          </a:effectRef>
-          <a:fontRef idx="minor">
-            <a:schemeClr val="tx1"/>
-          </a:fontRef>
-        </p:style>
-      </p:cxnSp>
-      <p:sp>
-        <p:nvSpPr>
-          <p:cNvPr id="236" name="Rectangle: Rounded Corners 133">
-            <a:extLst>
-              <a:ext uri="{FF2B5EF4-FFF2-40B4-BE49-F238E27FC236}">
-                <a16:creationId xmlns:a16="http://schemas.microsoft.com/office/drawing/2014/main" id="{DB63F69C-4358-164F-9B6B-FD1130DCBCE5}"/>
+      <p:sp>
+        <p:nvSpPr>
+          <p:cNvPr id="43" name="Rectangle: Rounded Corners 117">
+            <a:extLst>
+              <a:ext uri="{FF2B5EF4-FFF2-40B4-BE49-F238E27FC236}">
+                <a16:creationId xmlns:a16="http://schemas.microsoft.com/office/drawing/2014/main" id="{1F4EC3B4-9030-0699-DF71-0DA077D8449D}"/>
               </a:ext>
             </a:extLst>
           </p:cNvPr>
@@ -6397,14 +6448,14 @@
         </p:nvSpPr>
         <p:spPr>
           <a:xfrm>
-            <a:off x="8155498" y="6585750"/>
-            <a:ext cx="610206" cy="212947"/>
+            <a:off x="9260515" y="5748160"/>
+            <a:ext cx="1224376" cy="581317"/>
           </a:xfrm>
           <a:prstGeom prst="roundRect">
             <a:avLst/>
           </a:prstGeom>
           <a:solidFill>
-            <a:schemeClr val="accent3"/>
+            <a:schemeClr val="accent6"/>
           </a:solidFill>
           <a:ln>
             <a:solidFill>
@@ -6434,32 +6485,40 @@
           <a:p>
             <a:pPr algn="ctr"/>
             <a:r>
-              <a:rPr lang="en-US" sz="900" dirty="0"/>
-              <a:t>rotate</a:t>
+              <a:rPr lang="en-US" sz="901" dirty="0"/>
+              <a:t>Logging </a:t>
+            </a:r>
+            <a:r>
+              <a:rPr lang="en-US" sz="901" dirty="0" err="1"/>
+              <a:t>patch.energy</a:t>
+            </a:r>
+            <a:r>
+              <a:rPr lang="en-US" sz="901" dirty="0"/>
+              <a:t> (Table?)</a:t>
             </a:r>
           </a:p>
         </p:txBody>
       </p:sp>
       <p:cxnSp>
         <p:nvCxnSpPr>
-          <p:cNvPr id="237" name="Connector: Curved 128">
-            <a:extLst>
-              <a:ext uri="{FF2B5EF4-FFF2-40B4-BE49-F238E27FC236}">
-                <a16:creationId xmlns:a16="http://schemas.microsoft.com/office/drawing/2014/main" id="{702362EA-E4E4-9B47-BF19-F50E16A4FC15}"/>
+          <p:cNvPr id="44" name="Connector: Curved 128">
+            <a:extLst>
+              <a:ext uri="{FF2B5EF4-FFF2-40B4-BE49-F238E27FC236}">
+                <a16:creationId xmlns:a16="http://schemas.microsoft.com/office/drawing/2014/main" id="{307B2FE7-6652-5D2B-5003-B40C9BC99891}"/>
               </a:ext>
             </a:extLst>
           </p:cNvPr>
           <p:cNvCxnSpPr>
             <a:cxnSpLocks/>
-            <a:stCxn id="209" idx="2"/>
-            <a:endCxn id="236" idx="0"/>
+            <a:stCxn id="43" idx="0"/>
+            <a:endCxn id="66" idx="2"/>
           </p:cNvCxnSpPr>
           <p:nvPr/>
         </p:nvCxnSpPr>
         <p:spPr>
-          <a:xfrm rot="5400000">
-            <a:off x="8241963" y="6248123"/>
-            <a:ext cx="556265" cy="118988"/>
+          <a:xfrm rot="16200000" flipV="1">
+            <a:off x="8041127" y="3916584"/>
+            <a:ext cx="1649901" cy="2013252"/>
           </a:xfrm>
           <a:prstGeom prst="curvedConnector3">
             <a:avLst>

--- a/07-Patchy-Particle-Simulations-In-HPMC/Tutorial-concept-map.pptx
+++ b/07-Patchy-Particle-Simulations-In-HPMC/Tutorial-concept-map.pptx
@@ -270,7 +270,7 @@
           <a:p>
             <a:fld id="{7D34CDAA-125B-EE49-8309-E2E585CD8A05}" type="datetimeFigureOut">
               <a:rPr lang="en-US" smtClean="0"/>
-              <a:t>2/21/23</a:t>
+              <a:t>2/27/23</a:t>
             </a:fld>
             <a:endParaRPr lang="en-US"/>
           </a:p>
@@ -468,7 +468,7 @@
           <a:p>
             <a:fld id="{7D34CDAA-125B-EE49-8309-E2E585CD8A05}" type="datetimeFigureOut">
               <a:rPr lang="en-US" smtClean="0"/>
-              <a:t>2/21/23</a:t>
+              <a:t>2/27/23</a:t>
             </a:fld>
             <a:endParaRPr lang="en-US"/>
           </a:p>
@@ -676,7 +676,7 @@
           <a:p>
             <a:fld id="{7D34CDAA-125B-EE49-8309-E2E585CD8A05}" type="datetimeFigureOut">
               <a:rPr lang="en-US" smtClean="0"/>
-              <a:t>2/21/23</a:t>
+              <a:t>2/27/23</a:t>
             </a:fld>
             <a:endParaRPr lang="en-US"/>
           </a:p>
@@ -874,7 +874,7 @@
           <a:p>
             <a:fld id="{7D34CDAA-125B-EE49-8309-E2E585CD8A05}" type="datetimeFigureOut">
               <a:rPr lang="en-US" smtClean="0"/>
-              <a:t>2/21/23</a:t>
+              <a:t>2/27/23</a:t>
             </a:fld>
             <a:endParaRPr lang="en-US"/>
           </a:p>
@@ -1149,7 +1149,7 @@
           <a:p>
             <a:fld id="{7D34CDAA-125B-EE49-8309-E2E585CD8A05}" type="datetimeFigureOut">
               <a:rPr lang="en-US" smtClean="0"/>
-              <a:t>2/21/23</a:t>
+              <a:t>2/27/23</a:t>
             </a:fld>
             <a:endParaRPr lang="en-US"/>
           </a:p>
@@ -1414,7 +1414,7 @@
           <a:p>
             <a:fld id="{7D34CDAA-125B-EE49-8309-E2E585CD8A05}" type="datetimeFigureOut">
               <a:rPr lang="en-US" smtClean="0"/>
-              <a:t>2/21/23</a:t>
+              <a:t>2/27/23</a:t>
             </a:fld>
             <a:endParaRPr lang="en-US"/>
           </a:p>
@@ -1826,7 +1826,7 @@
           <a:p>
             <a:fld id="{7D34CDAA-125B-EE49-8309-E2E585CD8A05}" type="datetimeFigureOut">
               <a:rPr lang="en-US" smtClean="0"/>
-              <a:t>2/21/23</a:t>
+              <a:t>2/27/23</a:t>
             </a:fld>
             <a:endParaRPr lang="en-US"/>
           </a:p>
@@ -1967,7 +1967,7 @@
           <a:p>
             <a:fld id="{7D34CDAA-125B-EE49-8309-E2E585CD8A05}" type="datetimeFigureOut">
               <a:rPr lang="en-US" smtClean="0"/>
-              <a:t>2/21/23</a:t>
+              <a:t>2/27/23</a:t>
             </a:fld>
             <a:endParaRPr lang="en-US"/>
           </a:p>
@@ -2080,7 +2080,7 @@
           <a:p>
             <a:fld id="{7D34CDAA-125B-EE49-8309-E2E585CD8A05}" type="datetimeFigureOut">
               <a:rPr lang="en-US" smtClean="0"/>
-              <a:t>2/21/23</a:t>
+              <a:t>2/27/23</a:t>
             </a:fld>
             <a:endParaRPr lang="en-US"/>
           </a:p>
@@ -2391,7 +2391,7 @@
           <a:p>
             <a:fld id="{7D34CDAA-125B-EE49-8309-E2E585CD8A05}" type="datetimeFigureOut">
               <a:rPr lang="en-US" smtClean="0"/>
-              <a:t>2/21/23</a:t>
+              <a:t>2/27/23</a:t>
             </a:fld>
             <a:endParaRPr lang="en-US"/>
           </a:p>
@@ -2679,7 +2679,7 @@
           <a:p>
             <a:fld id="{7D34CDAA-125B-EE49-8309-E2E585CD8A05}" type="datetimeFigureOut">
               <a:rPr lang="en-US" smtClean="0"/>
-              <a:t>2/21/23</a:t>
+              <a:t>2/27/23</a:t>
             </a:fld>
             <a:endParaRPr lang="en-US"/>
           </a:p>
@@ -2920,7 +2920,7 @@
           <a:p>
             <a:fld id="{7D34CDAA-125B-EE49-8309-E2E585CD8A05}" type="datetimeFigureOut">
               <a:rPr lang="en-US" smtClean="0"/>
-              <a:t>2/21/23</a:t>
+              <a:t>2/27/23</a:t>
             </a:fld>
             <a:endParaRPr lang="en-US"/>
           </a:p>
